--- a/ppt/IoT04-ArduinoDev.pptx
+++ b/ppt/IoT04-ArduinoDev.pptx
@@ -3890,6 +3890,13 @@
   <p:clrMapOvr>
     <a:masterClrMapping/>
   </p:clrMapOvr>
+  <p:timing>
+    <p:tnLst>
+      <p:par>
+        <p:cTn id="1" dur="indefinite" restart="never" nodeType="tmRoot"/>
+      </p:par>
+    </p:tnLst>
+  </p:timing>
 </p:sld>
 </file>
 
@@ -3999,6 +4006,13 @@
   <p:clrMapOvr>
     <a:masterClrMapping/>
   </p:clrMapOvr>
+  <p:timing>
+    <p:tnLst>
+      <p:par>
+        <p:cTn id="1" dur="indefinite" restart="never" nodeType="tmRoot"/>
+      </p:par>
+    </p:tnLst>
+  </p:timing>
 </p:sld>
 </file>
 
@@ -4140,6 +4154,13 @@
   <p:clrMapOvr>
     <a:masterClrMapping/>
   </p:clrMapOvr>
+  <p:timing>
+    <p:tnLst>
+      <p:par>
+        <p:cTn id="1" dur="indefinite" restart="never" nodeType="tmRoot"/>
+      </p:par>
+    </p:tnLst>
+  </p:timing>
 </p:sld>
 </file>
 
@@ -4297,6 +4318,13 @@
   <p:clrMapOvr>
     <a:masterClrMapping/>
   </p:clrMapOvr>
+  <p:timing>
+    <p:tnLst>
+      <p:par>
+        <p:cTn id="1" dur="indefinite" restart="never" nodeType="tmRoot"/>
+      </p:par>
+    </p:tnLst>
+  </p:timing>
 </p:sld>
 </file>
 
@@ -4509,6 +4537,13 @@
   <p:clrMapOvr>
     <a:masterClrMapping/>
   </p:clrMapOvr>
+  <p:timing>
+    <p:tnLst>
+      <p:par>
+        <p:cTn id="1" dur="indefinite" restart="never" nodeType="tmRoot"/>
+      </p:par>
+    </p:tnLst>
+  </p:timing>
 </p:sld>
 </file>
 
@@ -4691,6 +4726,13 @@
   <p:clrMapOvr>
     <a:masterClrMapping/>
   </p:clrMapOvr>
+  <p:timing>
+    <p:tnLst>
+      <p:par>
+        <p:cTn id="1" dur="indefinite" restart="never" nodeType="tmRoot"/>
+      </p:par>
+    </p:tnLst>
+  </p:timing>
 </p:sld>
 </file>
 
@@ -4940,6 +4982,13 @@
   <p:clrMapOvr>
     <a:masterClrMapping/>
   </p:clrMapOvr>
+  <p:timing>
+    <p:tnLst>
+      <p:par>
+        <p:cTn id="1" dur="indefinite" restart="never" nodeType="tmRoot"/>
+      </p:par>
+    </p:tnLst>
+  </p:timing>
 </p:sld>
 </file>
 
@@ -5045,6 +5094,13 @@
   <p:clrMapOvr>
     <a:masterClrMapping/>
   </p:clrMapOvr>
+  <p:timing>
+    <p:tnLst>
+      <p:par>
+        <p:cTn id="1" dur="indefinite" restart="never" nodeType="tmRoot"/>
+      </p:par>
+    </p:tnLst>
+  </p:timing>
 </p:sld>
 </file>
 
@@ -5109,11 +5165,15 @@
             </a:r>
             <a:r>
               <a:rPr lang="fr-FR" dirty="0" err="1" smtClean="0"/>
-              <a:t>Arduin</a:t>
-            </a:r>
-            <a:r>
-              <a:rPr lang="fr-FR" dirty="0" smtClean="0"/>
-              <a:t> permettent d'avoir des extension C++ par des librairies</a:t>
+              <a:t>Arduino</a:t>
+            </a:r>
+            <a:r>
+              <a:rPr lang="fr-FR" dirty="0" smtClean="0"/>
+              <a:t> </a:t>
+            </a:r>
+            <a:r>
+              <a:rPr lang="fr-FR" dirty="0" smtClean="0"/>
+              <a:t>permettent d'avoir des extension C++ par des librairies</a:t>
             </a:r>
           </a:p>
           <a:p>
@@ -5192,6 +5252,13 @@
   <p:clrMapOvr>
     <a:masterClrMapping/>
   </p:clrMapOvr>
+  <p:timing>
+    <p:tnLst>
+      <p:par>
+        <p:cTn id="1" dur="indefinite" restart="never" nodeType="tmRoot"/>
+      </p:par>
+    </p:tnLst>
+  </p:timing>
 </p:sld>
 </file>
 
@@ -5337,6 +5404,13 @@
   <p:clrMapOvr>
     <a:masterClrMapping/>
   </p:clrMapOvr>
+  <p:timing>
+    <p:tnLst>
+      <p:par>
+        <p:cTn id="1" dur="indefinite" restart="never" nodeType="tmRoot"/>
+      </p:par>
+    </p:tnLst>
+  </p:timing>
 </p:sld>
 </file>
 
@@ -5425,6 +5499,13 @@
   <p:clrMapOvr>
     <a:masterClrMapping/>
   </p:clrMapOvr>
+  <p:timing>
+    <p:tnLst>
+      <p:par>
+        <p:cTn id="1" dur="indefinite" restart="never" nodeType="tmRoot"/>
+      </p:par>
+    </p:tnLst>
+  </p:timing>
 </p:sld>
 </file>
 
@@ -5617,6 +5698,13 @@
   <p:clrMapOvr>
     <a:masterClrMapping/>
   </p:clrMapOvr>
+  <p:timing>
+    <p:tnLst>
+      <p:par>
+        <p:cTn id="1" dur="indefinite" restart="never" nodeType="tmRoot"/>
+      </p:par>
+    </p:tnLst>
+  </p:timing>
 </p:sld>
 </file>
 
@@ -5747,6 +5835,13 @@
   <p:clrMapOvr>
     <a:masterClrMapping/>
   </p:clrMapOvr>
+  <p:timing>
+    <p:tnLst>
+      <p:par>
+        <p:cTn id="1" dur="indefinite" restart="never" nodeType="tmRoot"/>
+      </p:par>
+    </p:tnLst>
+  </p:timing>
 </p:sld>
 </file>
 
@@ -5883,6 +5978,13 @@
   <p:clrMapOvr>
     <a:masterClrMapping/>
   </p:clrMapOvr>
+  <p:timing>
+    <p:tnLst>
+      <p:par>
+        <p:cTn id="1" dur="indefinite" restart="never" nodeType="tmRoot"/>
+      </p:par>
+    </p:tnLst>
+  </p:timing>
 </p:sld>
 </file>
 
@@ -5992,6 +6094,13 @@
   <p:clrMapOvr>
     <a:masterClrMapping/>
   </p:clrMapOvr>
+  <p:timing>
+    <p:tnLst>
+      <p:par>
+        <p:cTn id="1" dur="indefinite" restart="never" nodeType="tmRoot"/>
+      </p:par>
+    </p:tnLst>
+  </p:timing>
 </p:sld>
 </file>
 
@@ -6130,6 +6239,13 @@
   <p:clrMapOvr>
     <a:masterClrMapping/>
   </p:clrMapOvr>
+  <p:timing>
+    <p:tnLst>
+      <p:par>
+        <p:cTn id="1" dur="indefinite" restart="never" nodeType="tmRoot"/>
+      </p:par>
+    </p:tnLst>
+  </p:timing>
 </p:sld>
 </file>
 
@@ -6254,6 +6370,13 @@
   <p:clrMapOvr>
     <a:masterClrMapping/>
   </p:clrMapOvr>
+  <p:timing>
+    <p:tnLst>
+      <p:par>
+        <p:cTn id="1" dur="indefinite" restart="never" nodeType="tmRoot"/>
+      </p:par>
+    </p:tnLst>
+  </p:timing>
 </p:sld>
 </file>
 
@@ -6322,8 +6445,13 @@
             </a:r>
             <a:r>
               <a:rPr lang="fr-FR" dirty="0" smtClean="0"/>
-              <a:t>() permet de définir un port numérique</a:t>
-            </a:r>
+              <a:t>() permet de définir un </a:t>
+            </a:r>
+            <a:r>
+              <a:rPr lang="fr-FR" dirty="0" smtClean="0"/>
+              <a:t>port</a:t>
+            </a:r>
+            <a:endParaRPr lang="fr-FR" dirty="0" smtClean="0"/>
           </a:p>
           <a:p>
             <a:pPr lvl="1"/>
@@ -6370,6 +6498,13 @@
   <p:clrMapOvr>
     <a:masterClrMapping/>
   </p:clrMapOvr>
+  <p:timing>
+    <p:tnLst>
+      <p:par>
+        <p:cTn id="1" dur="indefinite" restart="never" nodeType="tmRoot"/>
+      </p:par>
+    </p:tnLst>
+  </p:timing>
 </p:sld>
 </file>
 
@@ -6419,7 +6554,7 @@
             </a:r>
             <a:r>
               <a:rPr lang="fr-FR" dirty="0" err="1" smtClean="0"/>
-              <a:t>digitalRead</a:t>
+              <a:t>digitalWrite</a:t>
             </a:r>
             <a:endParaRPr lang="fr-FR" dirty="0"/>
           </a:p>
@@ -6569,6 +6704,13 @@
   <p:clrMapOvr>
     <a:masterClrMapping/>
   </p:clrMapOvr>
+  <p:timing>
+    <p:tnLst>
+      <p:par>
+        <p:cTn id="1" dur="indefinite" restart="never" nodeType="tmRoot"/>
+      </p:par>
+    </p:tnLst>
+  </p:timing>
 </p:sld>
 </file>
 

--- a/ppt/IoT04-ArduinoDev.pptx
+++ b/ppt/IoT04-ArduinoDev.pptx
@@ -5,32 +5,34 @@
     <p:sldMasterId id="2147483653" r:id="rId1"/>
   </p:sldMasterIdLst>
   <p:notesMasterIdLst>
-    <p:notesMasterId r:id="rId22"/>
+    <p:notesMasterId r:id="rId24"/>
   </p:notesMasterIdLst>
   <p:handoutMasterIdLst>
-    <p:handoutMasterId r:id="rId23"/>
+    <p:handoutMasterId r:id="rId25"/>
   </p:handoutMasterIdLst>
   <p:sldIdLst>
     <p:sldId id="264" r:id="rId2"/>
     <p:sldId id="266" r:id="rId3"/>
     <p:sldId id="268" r:id="rId4"/>
     <p:sldId id="269" r:id="rId5"/>
-    <p:sldId id="270" r:id="rId6"/>
+    <p:sldId id="288" r:id="rId6"/>
     <p:sldId id="275" r:id="rId7"/>
-    <p:sldId id="276" r:id="rId8"/>
-    <p:sldId id="271" r:id="rId9"/>
-    <p:sldId id="272" r:id="rId10"/>
-    <p:sldId id="273" r:id="rId11"/>
-    <p:sldId id="286" r:id="rId12"/>
-    <p:sldId id="274" r:id="rId13"/>
-    <p:sldId id="277" r:id="rId14"/>
-    <p:sldId id="278" r:id="rId15"/>
-    <p:sldId id="279" r:id="rId16"/>
-    <p:sldId id="280" r:id="rId17"/>
-    <p:sldId id="283" r:id="rId18"/>
-    <p:sldId id="282" r:id="rId19"/>
-    <p:sldId id="284" r:id="rId20"/>
-    <p:sldId id="285" r:id="rId21"/>
+    <p:sldId id="270" r:id="rId8"/>
+    <p:sldId id="287" r:id="rId9"/>
+    <p:sldId id="273" r:id="rId10"/>
+    <p:sldId id="276" r:id="rId11"/>
+    <p:sldId id="271" r:id="rId12"/>
+    <p:sldId id="272" r:id="rId13"/>
+    <p:sldId id="286" r:id="rId14"/>
+    <p:sldId id="274" r:id="rId15"/>
+    <p:sldId id="277" r:id="rId16"/>
+    <p:sldId id="278" r:id="rId17"/>
+    <p:sldId id="279" r:id="rId18"/>
+    <p:sldId id="280" r:id="rId19"/>
+    <p:sldId id="283" r:id="rId20"/>
+    <p:sldId id="282" r:id="rId21"/>
+    <p:sldId id="284" r:id="rId22"/>
+    <p:sldId id="285" r:id="rId23"/>
   </p:sldIdLst>
   <p:sldSz cx="9144000" cy="6858000" type="screen4x3"/>
   <p:notesSz cx="6648450" cy="9782175"/>
@@ -623,35 +625,35 @@
           <a:p>
             <a:pPr lvl="0"/>
             <a:r>
-              <a:rPr lang="fr-FR" noProof="0" smtClean="0"/>
+              <a:rPr lang="fr-FR" noProof="0"/>
               <a:t>Cliquez pour modifier les styles du texte du masque</a:t>
             </a:r>
           </a:p>
           <a:p>
             <a:pPr lvl="1"/>
             <a:r>
-              <a:rPr lang="fr-FR" noProof="0" smtClean="0"/>
+              <a:rPr lang="fr-FR" noProof="0"/>
               <a:t>Deuxième niveau</a:t>
             </a:r>
           </a:p>
           <a:p>
             <a:pPr lvl="2"/>
             <a:r>
-              <a:rPr lang="fr-FR" noProof="0" smtClean="0"/>
+              <a:rPr lang="fr-FR" noProof="0"/>
               <a:t>Troisième niveau</a:t>
             </a:r>
           </a:p>
           <a:p>
             <a:pPr lvl="3"/>
             <a:r>
-              <a:rPr lang="fr-FR" noProof="0" smtClean="0"/>
+              <a:rPr lang="fr-FR" noProof="0"/>
               <a:t>Quatrième niveau</a:t>
             </a:r>
           </a:p>
           <a:p>
             <a:pPr lvl="4"/>
             <a:r>
-              <a:rPr lang="fr-FR" noProof="0" smtClean="0"/>
+              <a:rPr lang="fr-FR" noProof="0"/>
               <a:t>Cinquième niveau</a:t>
             </a:r>
           </a:p>
@@ -939,10 +941,9 @@
           <a:lstStyle/>
           <a:p>
             <a:r>
-              <a:rPr lang="fr-FR" smtClean="0"/>
+              <a:rPr lang="fr-FR"/>
               <a:t>Cliquez pour modifier le style du titre</a:t>
             </a:r>
-            <a:endParaRPr lang="fr-FR"/>
           </a:p>
         </p:txBody>
       </p:sp>
@@ -1004,10 +1005,9 @@
           </a:lstStyle>
           <a:p>
             <a:r>
-              <a:rPr lang="fr-FR" smtClean="0"/>
+              <a:rPr lang="fr-FR"/>
               <a:t>Cliquez pour modifier le style des sous-titres du masque</a:t>
             </a:r>
-            <a:endParaRPr lang="fr-FR"/>
           </a:p>
         </p:txBody>
       </p:sp>
@@ -1062,10 +1062,9 @@
           <a:lstStyle/>
           <a:p>
             <a:r>
-              <a:rPr lang="fr-FR" smtClean="0"/>
+              <a:rPr lang="fr-FR"/>
               <a:t>Cliquez pour modifier le style du titre</a:t>
             </a:r>
-            <a:endParaRPr lang="fr-FR"/>
           </a:p>
         </p:txBody>
       </p:sp>
@@ -1091,38 +1090,37 @@
           <a:p>
             <a:pPr lvl="0"/>
             <a:r>
-              <a:rPr lang="fr-FR" smtClean="0"/>
+              <a:rPr lang="fr-FR"/>
               <a:t>Cliquez pour modifier les styles du texte du masque</a:t>
             </a:r>
           </a:p>
           <a:p>
             <a:pPr lvl="1"/>
             <a:r>
-              <a:rPr lang="fr-FR" smtClean="0"/>
+              <a:rPr lang="fr-FR"/>
               <a:t>Deuxième niveau</a:t>
             </a:r>
           </a:p>
           <a:p>
             <a:pPr lvl="2"/>
             <a:r>
-              <a:rPr lang="fr-FR" smtClean="0"/>
+              <a:rPr lang="fr-FR"/>
               <a:t>Troisième niveau</a:t>
             </a:r>
           </a:p>
           <a:p>
             <a:pPr lvl="3"/>
             <a:r>
-              <a:rPr lang="fr-FR" smtClean="0"/>
+              <a:rPr lang="fr-FR"/>
               <a:t>Quatrième niveau</a:t>
             </a:r>
           </a:p>
           <a:p>
             <a:pPr lvl="4"/>
             <a:r>
-              <a:rPr lang="fr-FR" smtClean="0"/>
+              <a:rPr lang="fr-FR"/>
               <a:t>Cinquième niveau</a:t>
             </a:r>
-            <a:endParaRPr lang="fr-FR"/>
           </a:p>
         </p:txBody>
       </p:sp>
@@ -1181,10 +1179,9 @@
           </a:lstStyle>
           <a:p>
             <a:r>
-              <a:rPr lang="fr-FR" dirty="0" smtClean="0"/>
+              <a:rPr lang="fr-FR" dirty="0"/>
               <a:t>Cliquez pour modifier le style du titre</a:t>
             </a:r>
-            <a:endParaRPr lang="fr-FR" dirty="0"/>
           </a:p>
         </p:txBody>
       </p:sp>
@@ -1210,38 +1207,37 @@
           <a:p>
             <a:pPr lvl="0"/>
             <a:r>
-              <a:rPr lang="fr-FR" dirty="0" smtClean="0"/>
+              <a:rPr lang="fr-FR" dirty="0"/>
               <a:t>Cliquez pour modifier les styles du texte du masque</a:t>
             </a:r>
           </a:p>
           <a:p>
             <a:pPr lvl="1"/>
             <a:r>
-              <a:rPr lang="fr-FR" dirty="0" smtClean="0"/>
+              <a:rPr lang="fr-FR" dirty="0"/>
               <a:t>Deuxième niveau</a:t>
             </a:r>
           </a:p>
           <a:p>
             <a:pPr lvl="2"/>
             <a:r>
-              <a:rPr lang="fr-FR" dirty="0" smtClean="0"/>
+              <a:rPr lang="fr-FR" dirty="0"/>
               <a:t>Troisième niveau</a:t>
             </a:r>
           </a:p>
           <a:p>
             <a:pPr lvl="3"/>
             <a:r>
-              <a:rPr lang="fr-FR" dirty="0" smtClean="0"/>
+              <a:rPr lang="fr-FR" dirty="0"/>
               <a:t>Quatrième niveau</a:t>
             </a:r>
           </a:p>
           <a:p>
             <a:pPr lvl="4"/>
             <a:r>
-              <a:rPr lang="fr-FR" dirty="0" smtClean="0"/>
+              <a:rPr lang="fr-FR" dirty="0"/>
               <a:t>Cinquième niveau</a:t>
             </a:r>
-            <a:endParaRPr lang="fr-FR" dirty="0"/>
           </a:p>
         </p:txBody>
       </p:sp>
@@ -1291,10 +1287,9 @@
           <a:lstStyle/>
           <a:p>
             <a:r>
-              <a:rPr lang="fr-FR" smtClean="0"/>
+              <a:rPr lang="fr-FR"/>
               <a:t>Cliquez pour modifier le style du titre</a:t>
             </a:r>
-            <a:endParaRPr lang="fr-FR"/>
           </a:p>
         </p:txBody>
       </p:sp>
@@ -1348,38 +1343,37 @@
           <a:p>
             <a:pPr lvl="0"/>
             <a:r>
-              <a:rPr lang="fr-FR" smtClean="0"/>
+              <a:rPr lang="fr-FR"/>
               <a:t>Cliquez pour modifier les styles du texte du masque</a:t>
             </a:r>
           </a:p>
           <a:p>
             <a:pPr lvl="1"/>
             <a:r>
-              <a:rPr lang="fr-FR" smtClean="0"/>
+              <a:rPr lang="fr-FR"/>
               <a:t>Deuxième niveau</a:t>
             </a:r>
           </a:p>
           <a:p>
             <a:pPr lvl="2"/>
             <a:r>
-              <a:rPr lang="fr-FR" smtClean="0"/>
+              <a:rPr lang="fr-FR"/>
               <a:t>Troisième niveau</a:t>
             </a:r>
           </a:p>
           <a:p>
             <a:pPr lvl="3"/>
             <a:r>
-              <a:rPr lang="fr-FR" smtClean="0"/>
+              <a:rPr lang="fr-FR"/>
               <a:t>Quatrième niveau</a:t>
             </a:r>
           </a:p>
           <a:p>
             <a:pPr lvl="4"/>
             <a:r>
-              <a:rPr lang="fr-FR" smtClean="0"/>
+              <a:rPr lang="fr-FR"/>
               <a:t>Cinquième niveau</a:t>
             </a:r>
-            <a:endParaRPr lang="fr-FR"/>
           </a:p>
         </p:txBody>
       </p:sp>
@@ -1433,38 +1427,37 @@
           <a:p>
             <a:pPr lvl="0"/>
             <a:r>
-              <a:rPr lang="fr-FR" smtClean="0"/>
+              <a:rPr lang="fr-FR"/>
               <a:t>Cliquez pour modifier les styles du texte du masque</a:t>
             </a:r>
           </a:p>
           <a:p>
             <a:pPr lvl="1"/>
             <a:r>
-              <a:rPr lang="fr-FR" smtClean="0"/>
+              <a:rPr lang="fr-FR"/>
               <a:t>Deuxième niveau</a:t>
             </a:r>
           </a:p>
           <a:p>
             <a:pPr lvl="2"/>
             <a:r>
-              <a:rPr lang="fr-FR" smtClean="0"/>
+              <a:rPr lang="fr-FR"/>
               <a:t>Troisième niveau</a:t>
             </a:r>
           </a:p>
           <a:p>
             <a:pPr lvl="3"/>
             <a:r>
-              <a:rPr lang="fr-FR" smtClean="0"/>
+              <a:rPr lang="fr-FR"/>
               <a:t>Quatrième niveau</a:t>
             </a:r>
           </a:p>
           <a:p>
             <a:pPr lvl="4"/>
             <a:r>
-              <a:rPr lang="fr-FR" smtClean="0"/>
+              <a:rPr lang="fr-FR"/>
               <a:t>Cinquième niveau</a:t>
             </a:r>
-            <a:endParaRPr lang="fr-FR"/>
           </a:p>
         </p:txBody>
       </p:sp>
@@ -1523,10 +1516,9 @@
           </a:lstStyle>
           <a:p>
             <a:r>
-              <a:rPr lang="fr-FR" smtClean="0"/>
+              <a:rPr lang="fr-FR"/>
               <a:t>Cliquez pour modifier le style du titre</a:t>
             </a:r>
-            <a:endParaRPr lang="fr-FR"/>
           </a:p>
         </p:txBody>
       </p:sp>
@@ -1589,7 +1581,7 @@
           <a:p>
             <a:pPr lvl="0"/>
             <a:r>
-              <a:rPr lang="fr-FR" smtClean="0"/>
+              <a:rPr lang="fr-FR"/>
               <a:t>Cliquez pour modifier les styles du texte du masque</a:t>
             </a:r>
           </a:p>
@@ -1645,38 +1637,37 @@
           <a:p>
             <a:pPr lvl="0"/>
             <a:r>
-              <a:rPr lang="fr-FR" smtClean="0"/>
+              <a:rPr lang="fr-FR"/>
               <a:t>Cliquez pour modifier les styles du texte du masque</a:t>
             </a:r>
           </a:p>
           <a:p>
             <a:pPr lvl="1"/>
             <a:r>
-              <a:rPr lang="fr-FR" smtClean="0"/>
+              <a:rPr lang="fr-FR"/>
               <a:t>Deuxième niveau</a:t>
             </a:r>
           </a:p>
           <a:p>
             <a:pPr lvl="2"/>
             <a:r>
-              <a:rPr lang="fr-FR" smtClean="0"/>
+              <a:rPr lang="fr-FR"/>
               <a:t>Troisième niveau</a:t>
             </a:r>
           </a:p>
           <a:p>
             <a:pPr lvl="3"/>
             <a:r>
-              <a:rPr lang="fr-FR" smtClean="0"/>
+              <a:rPr lang="fr-FR"/>
               <a:t>Quatrième niveau</a:t>
             </a:r>
           </a:p>
           <a:p>
             <a:pPr lvl="4"/>
             <a:r>
-              <a:rPr lang="fr-FR" smtClean="0"/>
+              <a:rPr lang="fr-FR"/>
               <a:t>Cinquième niveau</a:t>
             </a:r>
-            <a:endParaRPr lang="fr-FR"/>
           </a:p>
         </p:txBody>
       </p:sp>
@@ -1739,7 +1730,7 @@
           <a:p>
             <a:pPr lvl="0"/>
             <a:r>
-              <a:rPr lang="fr-FR" smtClean="0"/>
+              <a:rPr lang="fr-FR"/>
               <a:t>Cliquez pour modifier les styles du texte du masque</a:t>
             </a:r>
           </a:p>
@@ -1795,38 +1786,37 @@
           <a:p>
             <a:pPr lvl="0"/>
             <a:r>
-              <a:rPr lang="fr-FR" smtClean="0"/>
+              <a:rPr lang="fr-FR"/>
               <a:t>Cliquez pour modifier les styles du texte du masque</a:t>
             </a:r>
           </a:p>
           <a:p>
             <a:pPr lvl="1"/>
             <a:r>
-              <a:rPr lang="fr-FR" smtClean="0"/>
+              <a:rPr lang="fr-FR"/>
               <a:t>Deuxième niveau</a:t>
             </a:r>
           </a:p>
           <a:p>
             <a:pPr lvl="2"/>
             <a:r>
-              <a:rPr lang="fr-FR" smtClean="0"/>
+              <a:rPr lang="fr-FR"/>
               <a:t>Troisième niveau</a:t>
             </a:r>
           </a:p>
           <a:p>
             <a:pPr lvl="3"/>
             <a:r>
-              <a:rPr lang="fr-FR" smtClean="0"/>
+              <a:rPr lang="fr-FR"/>
               <a:t>Quatrième niveau</a:t>
             </a:r>
           </a:p>
           <a:p>
             <a:pPr lvl="4"/>
             <a:r>
-              <a:rPr lang="fr-FR" smtClean="0"/>
+              <a:rPr lang="fr-FR"/>
               <a:t>Cinquième niveau</a:t>
             </a:r>
-            <a:endParaRPr lang="fr-FR"/>
           </a:p>
         </p:txBody>
       </p:sp>
@@ -1876,10 +1866,9 @@
           <a:lstStyle/>
           <a:p>
             <a:r>
-              <a:rPr lang="fr-FR" smtClean="0"/>
+              <a:rPr lang="fr-FR"/>
               <a:t>Cliquez pour modifier le style du titre</a:t>
             </a:r>
-            <a:endParaRPr lang="fr-FR"/>
           </a:p>
         </p:txBody>
       </p:sp>
@@ -1968,10 +1957,9 @@
           </a:lstStyle>
           <a:p>
             <a:r>
-              <a:rPr lang="fr-FR" smtClean="0"/>
+              <a:rPr lang="fr-FR"/>
               <a:t>Cliquez pour modifier le style du titre</a:t>
             </a:r>
-            <a:endParaRPr lang="fr-FR"/>
           </a:p>
         </p:txBody>
       </p:sp>
@@ -2025,38 +2013,37 @@
           <a:p>
             <a:pPr lvl="0"/>
             <a:r>
-              <a:rPr lang="fr-FR" smtClean="0"/>
+              <a:rPr lang="fr-FR"/>
               <a:t>Cliquez pour modifier les styles du texte du masque</a:t>
             </a:r>
           </a:p>
           <a:p>
             <a:pPr lvl="1"/>
             <a:r>
-              <a:rPr lang="fr-FR" smtClean="0"/>
+              <a:rPr lang="fr-FR"/>
               <a:t>Deuxième niveau</a:t>
             </a:r>
           </a:p>
           <a:p>
             <a:pPr lvl="2"/>
             <a:r>
-              <a:rPr lang="fr-FR" smtClean="0"/>
+              <a:rPr lang="fr-FR"/>
               <a:t>Troisième niveau</a:t>
             </a:r>
           </a:p>
           <a:p>
             <a:pPr lvl="3"/>
             <a:r>
-              <a:rPr lang="fr-FR" smtClean="0"/>
+              <a:rPr lang="fr-FR"/>
               <a:t>Quatrième niveau</a:t>
             </a:r>
           </a:p>
           <a:p>
             <a:pPr lvl="4"/>
             <a:r>
-              <a:rPr lang="fr-FR" smtClean="0"/>
+              <a:rPr lang="fr-FR"/>
               <a:t>Cinquième niveau</a:t>
             </a:r>
-            <a:endParaRPr lang="fr-FR"/>
           </a:p>
         </p:txBody>
       </p:sp>
@@ -2119,7 +2106,7 @@
           <a:p>
             <a:pPr lvl="0"/>
             <a:r>
-              <a:rPr lang="fr-FR" smtClean="0"/>
+              <a:rPr lang="fr-FR"/>
               <a:t>Cliquez pour modifier les styles du texte du masque</a:t>
             </a:r>
           </a:p>
@@ -2180,10 +2167,9 @@
           </a:lstStyle>
           <a:p>
             <a:r>
-              <a:rPr lang="fr-FR" smtClean="0"/>
+              <a:rPr lang="fr-FR"/>
               <a:t>Cliquez pour modifier le style du titre</a:t>
             </a:r>
-            <a:endParaRPr lang="fr-FR"/>
           </a:p>
         </p:txBody>
       </p:sp>
@@ -2245,7 +2231,7 @@
           </a:lstStyle>
           <a:p>
             <a:pPr lvl="0"/>
-            <a:endParaRPr lang="fr-FR" noProof="0" smtClean="0"/>
+            <a:endParaRPr lang="fr-FR" noProof="0"/>
           </a:p>
         </p:txBody>
       </p:sp>
@@ -2308,7 +2294,7 @@
           <a:p>
             <a:pPr lvl="0"/>
             <a:r>
-              <a:rPr lang="fr-FR" smtClean="0"/>
+              <a:rPr lang="fr-FR"/>
               <a:t>Cliquez pour modifier les styles du texte du masque</a:t>
             </a:r>
           </a:p>
@@ -2360,10 +2346,9 @@
           <a:lstStyle/>
           <a:p>
             <a:r>
-              <a:rPr lang="fr-FR" smtClean="0"/>
+              <a:rPr lang="fr-FR"/>
               <a:t>Cliquez pour modifier le style du titre</a:t>
             </a:r>
-            <a:endParaRPr lang="fr-FR"/>
           </a:p>
         </p:txBody>
       </p:sp>
@@ -2384,38 +2369,37 @@
           <a:p>
             <a:pPr lvl="0"/>
             <a:r>
-              <a:rPr lang="fr-FR" smtClean="0"/>
+              <a:rPr lang="fr-FR"/>
               <a:t>Cliquez pour modifier les styles du texte du masque</a:t>
             </a:r>
           </a:p>
           <a:p>
             <a:pPr lvl="1"/>
             <a:r>
-              <a:rPr lang="fr-FR" smtClean="0"/>
+              <a:rPr lang="fr-FR"/>
               <a:t>Deuxième niveau</a:t>
             </a:r>
           </a:p>
           <a:p>
             <a:pPr lvl="2"/>
             <a:r>
-              <a:rPr lang="fr-FR" smtClean="0"/>
+              <a:rPr lang="fr-FR"/>
               <a:t>Troisième niveau</a:t>
             </a:r>
           </a:p>
           <a:p>
             <a:pPr lvl="3"/>
             <a:r>
-              <a:rPr lang="fr-FR" smtClean="0"/>
+              <a:rPr lang="fr-FR"/>
               <a:t>Quatrième niveau</a:t>
             </a:r>
           </a:p>
           <a:p>
             <a:pPr lvl="4"/>
             <a:r>
-              <a:rPr lang="fr-FR" smtClean="0"/>
+              <a:rPr lang="fr-FR"/>
               <a:t>Cinquième niveau</a:t>
             </a:r>
-            <a:endParaRPr lang="fr-FR"/>
           </a:p>
         </p:txBody>
       </p:sp>
@@ -2596,7 +2580,7 @@
             <a:pPr eaLnBrk="1" hangingPunct="1">
               <a:defRPr/>
             </a:pPr>
-            <a:endParaRPr lang="fr-FR" altLang="fr-FR" smtClean="0"/>
+            <a:endParaRPr lang="fr-FR" altLang="fr-FR"/>
           </a:p>
         </p:txBody>
       </p:sp>
@@ -2750,7 +2734,7 @@
               <a:defRPr/>
             </a:pPr>
             <a:r>
-              <a:rPr lang="fr-FR" sz="1200" dirty="0" smtClean="0"/>
+              <a:rPr lang="fr-FR" sz="1200" dirty="0"/>
               <a:t>Page </a:t>
             </a:r>
             <a:fld id="{E218E9B1-FD08-4C80-902E-210BA2967D0D}" type="slidenum">
@@ -2763,7 +2747,7 @@
               </a:pPr>
               <a:t>‹N°›</a:t>
             </a:fld>
-            <a:endParaRPr lang="fr-FR" dirty="0" smtClean="0">
+            <a:endParaRPr lang="fr-FR" dirty="0">
               <a:latin typeface="Times New Roman" pitchFamily="18" charset="0"/>
             </a:endParaRPr>
           </a:p>
@@ -2919,10 +2903,10 @@
               <a:defRPr/>
             </a:pPr>
             <a:r>
-              <a:rPr lang="fr-FR" sz="1600" dirty="0" err="1" smtClean="0"/>
+              <a:rPr lang="fr-FR" sz="1600" dirty="0" err="1"/>
               <a:t>IoT</a:t>
             </a:r>
-            <a:endParaRPr lang="fr-FR" dirty="0" smtClean="0">
+            <a:endParaRPr lang="fr-FR" dirty="0">
               <a:latin typeface="Times New Roman" pitchFamily="18" charset="0"/>
             </a:endParaRPr>
           </a:p>
@@ -2980,7 +2964,7 @@
           <a:p>
             <a:pPr lvl="0"/>
             <a:r>
-              <a:rPr lang="fr-FR" altLang="fr-FR" smtClean="0"/>
+              <a:rPr lang="fr-FR" altLang="fr-FR"/>
               <a:t>Cliquez pour modifier le style du titre du masque</a:t>
             </a:r>
           </a:p>
@@ -3038,35 +3022,35 @@
           <a:p>
             <a:pPr lvl="0"/>
             <a:r>
-              <a:rPr lang="fr-FR" altLang="fr-FR" smtClean="0"/>
+              <a:rPr lang="fr-FR" altLang="fr-FR"/>
               <a:t>Cliquez pour modifier les styles du texte du masque</a:t>
             </a:r>
           </a:p>
           <a:p>
             <a:pPr lvl="1"/>
             <a:r>
-              <a:rPr lang="fr-FR" altLang="fr-FR" smtClean="0"/>
+              <a:rPr lang="fr-FR" altLang="fr-FR"/>
               <a:t>Deuxième niveau</a:t>
             </a:r>
           </a:p>
           <a:p>
             <a:pPr lvl="2"/>
             <a:r>
-              <a:rPr lang="fr-FR" altLang="fr-FR" smtClean="0"/>
+              <a:rPr lang="fr-FR" altLang="fr-FR"/>
               <a:t>Troisième niveau</a:t>
             </a:r>
           </a:p>
           <a:p>
             <a:pPr lvl="3"/>
             <a:r>
-              <a:rPr lang="fr-FR" altLang="fr-FR" smtClean="0"/>
+              <a:rPr lang="fr-FR" altLang="fr-FR"/>
               <a:t>Quatrième niveau</a:t>
             </a:r>
           </a:p>
           <a:p>
             <a:pPr lvl="4"/>
             <a:r>
-              <a:rPr lang="fr-FR" altLang="fr-FR" smtClean="0"/>
+              <a:rPr lang="fr-FR" altLang="fr-FR"/>
               <a:t>Cinquième niveau</a:t>
             </a:r>
           </a:p>
@@ -3222,10 +3206,10 @@
               <a:defRPr/>
             </a:pPr>
             <a:r>
-              <a:rPr lang="fr-FR" sz="1200" smtClean="0"/>
+              <a:rPr lang="fr-FR" sz="1200"/>
               <a:t>© Cyril Vincent Conseil</a:t>
             </a:r>
-            <a:endParaRPr lang="fr-FR" smtClean="0">
+            <a:endParaRPr lang="fr-FR">
               <a:latin typeface="Times New Roman" pitchFamily="18" charset="0"/>
             </a:endParaRPr>
           </a:p>
@@ -3712,10 +3696,10 @@
           <a:p>
             <a:pPr eaLnBrk="1" hangingPunct="1"/>
             <a:r>
-              <a:rPr lang="fr-FR" altLang="fr-FR" dirty="0" err="1" smtClean="0"/>
+              <a:rPr lang="fr-FR" altLang="fr-FR" dirty="0" err="1"/>
               <a:t>IoT</a:t>
             </a:r>
-            <a:endParaRPr lang="fr-FR" altLang="fr-FR" dirty="0" smtClean="0"/>
+            <a:endParaRPr lang="fr-FR" altLang="fr-FR" dirty="0"/>
           </a:p>
           <a:p>
             <a:pPr eaLnBrk="1" hangingPunct="1"/>
@@ -3724,14 +3708,14 @@
           <a:p>
             <a:pPr eaLnBrk="1" hangingPunct="1"/>
             <a:r>
-              <a:rPr lang="fr-FR" altLang="fr-FR" dirty="0" smtClean="0"/>
+              <a:rPr lang="fr-FR" altLang="fr-FR" dirty="0"/>
               <a:t>Chapitre 4</a:t>
             </a:r>
           </a:p>
           <a:p>
             <a:pPr eaLnBrk="1" hangingPunct="1"/>
             <a:r>
-              <a:rPr lang="fr-FR" altLang="fr-FR" dirty="0" smtClean="0"/>
+              <a:rPr lang="fr-FR" altLang="fr-FR" dirty="0"/>
               <a:t>C++</a:t>
             </a:r>
           </a:p>
@@ -3766,13 +3750,6 @@
   <p:clrMapOvr>
     <a:masterClrMapping/>
   </p:clrMapOvr>
-  <p:timing>
-    <p:tnLst>
-      <p:par>
-        <p:cTn id="1" dur="indefinite" restart="never" nodeType="tmRoot"/>
-      </p:par>
-    </p:tnLst>
-  </p:timing>
 </p:sld>
 </file>
 
@@ -3809,12 +3786,8 @@
           <a:lstStyle/>
           <a:p>
             <a:r>
-              <a:rPr lang="fr-FR" dirty="0" err="1" smtClean="0"/>
-              <a:t>delay</a:t>
-            </a:r>
-            <a:r>
-              <a:rPr lang="fr-FR" dirty="0" smtClean="0"/>
-              <a:t>()</a:t>
+              <a:rPr lang="fr-FR" dirty="0" err="1"/>
+              <a:t>Blink</a:t>
             </a:r>
             <a:endParaRPr lang="fr-FR" dirty="0"/>
           </a:p>
@@ -3836,67 +3809,70 @@
           <a:lstStyle/>
           <a:p>
             <a:r>
-              <a:rPr lang="fr-FR" dirty="0" err="1" smtClean="0"/>
-              <a:t>delay</a:t>
-            </a:r>
-            <a:r>
-              <a:rPr lang="fr-FR" dirty="0" smtClean="0"/>
-              <a:t>() permet d'effectuer une pause en </a:t>
-            </a:r>
-            <a:r>
-              <a:rPr lang="fr-FR" dirty="0" err="1" smtClean="0"/>
-              <a:t>miliseconde</a:t>
-            </a:r>
-            <a:endParaRPr lang="fr-FR" dirty="0" smtClean="0"/>
-          </a:p>
-          <a:p>
-            <a:r>
-              <a:rPr lang="fr-FR" dirty="0" err="1" smtClean="0"/>
-              <a:t>delay</a:t>
-            </a:r>
-            <a:r>
-              <a:rPr lang="fr-FR" dirty="0" smtClean="0"/>
-              <a:t>(1000)</a:t>
-            </a:r>
-          </a:p>
-          <a:p>
-            <a:pPr lvl="1"/>
-            <a:r>
-              <a:rPr lang="fr-FR" dirty="0" smtClean="0"/>
-              <a:t>Pause de 1s</a:t>
-            </a:r>
-          </a:p>
-          <a:p>
-            <a:pPr lvl="1"/>
-            <a:r>
-              <a:rPr lang="fr-FR" dirty="0" smtClean="0"/>
-              <a:t>Quasi obligatoire dans un </a:t>
-            </a:r>
-            <a:r>
-              <a:rPr lang="fr-FR" dirty="0" err="1" smtClean="0"/>
-              <a:t>loop</a:t>
-            </a:r>
-            <a:endParaRPr lang="fr-FR" dirty="0"/>
-          </a:p>
-        </p:txBody>
-      </p:sp>
+              <a:rPr lang="fr-FR" dirty="0"/>
+              <a:t>Le premier exemple</a:t>
+            </a:r>
+          </a:p>
+        </p:txBody>
+      </p:sp>
+      <p:pic>
+        <p:nvPicPr>
+          <p:cNvPr id="4" name="Image 3"/>
+          <p:cNvPicPr>
+            <a:picLocks noChangeAspect="1"/>
+          </p:cNvPicPr>
+          <p:nvPr/>
+        </p:nvPicPr>
+        <p:blipFill>
+          <a:blip r:embed="rId2"/>
+          <a:stretch>
+            <a:fillRect/>
+          </a:stretch>
+        </p:blipFill>
+        <p:spPr>
+          <a:xfrm>
+            <a:off x="23920" y="2060848"/>
+            <a:ext cx="4466469" cy="4032448"/>
+          </a:xfrm>
+          <a:prstGeom prst="rect">
+            <a:avLst/>
+          </a:prstGeom>
+        </p:spPr>
+      </p:pic>
+      <p:pic>
+        <p:nvPicPr>
+          <p:cNvPr id="5" name="Image 4"/>
+          <p:cNvPicPr>
+            <a:picLocks noChangeAspect="1"/>
+          </p:cNvPicPr>
+          <p:nvPr/>
+        </p:nvPicPr>
+        <p:blipFill>
+          <a:blip r:embed="rId3"/>
+          <a:stretch>
+            <a:fillRect/>
+          </a:stretch>
+        </p:blipFill>
+        <p:spPr>
+          <a:xfrm>
+            <a:off x="4645981" y="2636912"/>
+            <a:ext cx="3529406" cy="2880320"/>
+          </a:xfrm>
+          <a:prstGeom prst="rect">
+            <a:avLst/>
+          </a:prstGeom>
+        </p:spPr>
+      </p:pic>
     </p:spTree>
     <p:extLst>
       <p:ext uri="{BB962C8B-B14F-4D97-AF65-F5344CB8AC3E}">
-        <p14:creationId xmlns:p14="http://schemas.microsoft.com/office/powerpoint/2010/main" val="370465397"/>
+        <p14:creationId xmlns:p14="http://schemas.microsoft.com/office/powerpoint/2010/main" val="175302928"/>
       </p:ext>
     </p:extLst>
   </p:cSld>
   <p:clrMapOvr>
     <a:masterClrMapping/>
   </p:clrMapOvr>
-  <p:timing>
-    <p:tnLst>
-      <p:par>
-        <p:cTn id="1" dur="indefinite" restart="never" nodeType="tmRoot"/>
-      </p:par>
-    </p:tnLst>
-  </p:timing>
 </p:sld>
 </file>
 
@@ -3933,10 +3909,13 @@
           <a:lstStyle/>
           <a:p>
             <a:r>
-              <a:rPr lang="fr-FR" dirty="0" smtClean="0"/>
-              <a:t>Grove</a:t>
-            </a:r>
-            <a:endParaRPr lang="fr-FR" dirty="0"/>
+              <a:rPr lang="fr-FR" dirty="0" err="1"/>
+              <a:t>pinMode</a:t>
+            </a:r>
+            <a:r>
+              <a:rPr lang="fr-FR" dirty="0"/>
+              <a:t>()</a:t>
+            </a:r>
           </a:p>
         </p:txBody>
       </p:sp>
@@ -3956,10 +3935,293 @@
           <a:lstStyle/>
           <a:p>
             <a:r>
-              <a:rPr lang="fr-FR" dirty="0" smtClean="0"/>
+              <a:rPr lang="fr-FR" dirty="0" err="1"/>
+              <a:t>pinMode</a:t>
+            </a:r>
+            <a:r>
+              <a:rPr lang="fr-FR" dirty="0"/>
+              <a:t>() permet de définir un port</a:t>
+            </a:r>
+          </a:p>
+          <a:p>
+            <a:pPr lvl="1"/>
+            <a:r>
+              <a:rPr lang="fr-FR" dirty="0" err="1"/>
+              <a:t>pinMode</a:t>
+            </a:r>
+            <a:r>
+              <a:rPr lang="fr-FR" dirty="0"/>
+              <a:t>(8, OUTPUT)</a:t>
+            </a:r>
+          </a:p>
+          <a:p>
+            <a:pPr lvl="1"/>
+            <a:r>
+              <a:rPr lang="fr-FR" dirty="0" err="1"/>
+              <a:t>pinMode</a:t>
+            </a:r>
+            <a:r>
+              <a:rPr lang="fr-FR" dirty="0"/>
+              <a:t>(7, INPUT)</a:t>
+            </a:r>
+          </a:p>
+          <a:p>
+            <a:pPr lvl="1"/>
+            <a:r>
+              <a:rPr lang="fr-FR" dirty="0" err="1"/>
+              <a:t>pinMode</a:t>
+            </a:r>
+            <a:r>
+              <a:rPr lang="fr-FR" dirty="0"/>
+              <a:t>(LED_BUILTIN, OUTPUT)</a:t>
+            </a:r>
+          </a:p>
+        </p:txBody>
+      </p:sp>
+    </p:spTree>
+    <p:extLst>
+      <p:ext uri="{BB962C8B-B14F-4D97-AF65-F5344CB8AC3E}">
+        <p14:creationId xmlns:p14="http://schemas.microsoft.com/office/powerpoint/2010/main" val="2948737533"/>
+      </p:ext>
+    </p:extLst>
+  </p:cSld>
+  <p:clrMapOvr>
+    <a:masterClrMapping/>
+  </p:clrMapOvr>
+</p:sld>
+</file>
+
+<file path=ppt/slides/slide12.xml><?xml version="1.0" encoding="utf-8"?>
+<p:sld xmlns:a="http://schemas.openxmlformats.org/drawingml/2006/main" xmlns:r="http://schemas.openxmlformats.org/officeDocument/2006/relationships" xmlns:p="http://schemas.openxmlformats.org/presentationml/2006/main">
+  <p:cSld>
+    <p:spTree>
+      <p:nvGrpSpPr>
+        <p:cNvPr id="1" name=""/>
+        <p:cNvGrpSpPr/>
+        <p:nvPr/>
+      </p:nvGrpSpPr>
+      <p:grpSpPr>
+        <a:xfrm>
+          <a:off x="0" y="0"/>
+          <a:ext cx="0" cy="0"/>
+          <a:chOff x="0" y="0"/>
+          <a:chExt cx="0" cy="0"/>
+        </a:xfrm>
+      </p:grpSpPr>
+      <p:sp>
+        <p:nvSpPr>
+          <p:cNvPr id="2" name="Titre 1"/>
+          <p:cNvSpPr>
+            <a:spLocks noGrp="1"/>
+          </p:cNvSpPr>
+          <p:nvPr>
+            <p:ph type="title"/>
+          </p:nvPr>
+        </p:nvSpPr>
+        <p:spPr/>
+        <p:txBody>
+          <a:bodyPr/>
+          <a:lstStyle/>
+          <a:p>
+            <a:r>
+              <a:rPr lang="fr-FR" dirty="0" err="1"/>
+              <a:t>digitalRead</a:t>
+            </a:r>
+            <a:r>
+              <a:rPr lang="fr-FR" dirty="0"/>
+              <a:t> et </a:t>
+            </a:r>
+            <a:r>
+              <a:rPr lang="fr-FR" dirty="0" err="1"/>
+              <a:t>digitalWrite</a:t>
+            </a:r>
+            <a:endParaRPr lang="fr-FR" dirty="0"/>
+          </a:p>
+        </p:txBody>
+      </p:sp>
+      <p:sp>
+        <p:nvSpPr>
+          <p:cNvPr id="3" name="Espace réservé du contenu 2"/>
+          <p:cNvSpPr>
+            <a:spLocks noGrp="1"/>
+          </p:cNvSpPr>
+          <p:nvPr>
+            <p:ph idx="1"/>
+          </p:nvPr>
+        </p:nvSpPr>
+        <p:spPr/>
+        <p:txBody>
+          <a:bodyPr/>
+          <a:lstStyle/>
+          <a:p>
+            <a:r>
+              <a:rPr lang="fr-FR" dirty="0" err="1"/>
+              <a:t>digitalWrite</a:t>
+            </a:r>
+            <a:r>
+              <a:rPr lang="fr-FR" dirty="0"/>
+              <a:t>(8, HIGH)</a:t>
+            </a:r>
+          </a:p>
+          <a:p>
+            <a:pPr lvl="1"/>
+            <a:r>
+              <a:rPr lang="fr-FR" dirty="0"/>
+              <a:t>Envoie 5V sur le port numérique 8</a:t>
+            </a:r>
+          </a:p>
+          <a:p>
+            <a:pPr lvl="1"/>
+            <a:r>
+              <a:rPr lang="fr-FR" dirty="0"/>
+              <a:t>Identique à </a:t>
+            </a:r>
+            <a:r>
+              <a:rPr lang="fr-FR" dirty="0" err="1"/>
+              <a:t>digitalWrite</a:t>
+            </a:r>
+            <a:r>
+              <a:rPr lang="fr-FR" dirty="0"/>
+              <a:t>(8, 1)</a:t>
+            </a:r>
+          </a:p>
+          <a:p>
+            <a:r>
+              <a:rPr lang="fr-FR" dirty="0" err="1"/>
+              <a:t>digitalWrite</a:t>
+            </a:r>
+            <a:r>
+              <a:rPr lang="fr-FR" dirty="0"/>
+              <a:t>(8, LOW)</a:t>
+            </a:r>
+          </a:p>
+          <a:p>
+            <a:pPr lvl="1"/>
+            <a:r>
+              <a:rPr lang="fr-FR" dirty="0"/>
+              <a:t>Envoie 0V sur le port numérique 8</a:t>
+            </a:r>
+          </a:p>
+          <a:p>
+            <a:pPr lvl="1"/>
+            <a:r>
+              <a:rPr lang="fr-FR" dirty="0"/>
+              <a:t>Identique à </a:t>
+            </a:r>
+            <a:r>
+              <a:rPr lang="fr-FR" dirty="0" err="1"/>
+              <a:t>digitalWrite</a:t>
+            </a:r>
+            <a:r>
+              <a:rPr lang="fr-FR" dirty="0"/>
+              <a:t>(8, 0)</a:t>
+            </a:r>
+          </a:p>
+          <a:p>
+            <a:r>
+              <a:rPr lang="fr-FR" dirty="0" err="1"/>
+              <a:t>boolean</a:t>
+            </a:r>
+            <a:r>
+              <a:rPr lang="fr-FR" dirty="0"/>
+              <a:t> val = </a:t>
+            </a:r>
+            <a:r>
+              <a:rPr lang="fr-FR" dirty="0" err="1"/>
+              <a:t>digitalRead</a:t>
+            </a:r>
+            <a:r>
+              <a:rPr lang="fr-FR" dirty="0"/>
+              <a:t>(8)</a:t>
+            </a:r>
+          </a:p>
+          <a:p>
+            <a:pPr lvl="1"/>
+            <a:r>
+              <a:rPr lang="fr-FR" dirty="0"/>
+              <a:t>Lit la valeur du port numérique 8</a:t>
+            </a:r>
+          </a:p>
+          <a:p>
+            <a:endParaRPr lang="fr-FR" dirty="0"/>
+          </a:p>
+          <a:p>
+            <a:pPr lvl="1"/>
+            <a:endParaRPr lang="fr-FR" dirty="0"/>
+          </a:p>
+        </p:txBody>
+      </p:sp>
+    </p:spTree>
+    <p:extLst>
+      <p:ext uri="{BB962C8B-B14F-4D97-AF65-F5344CB8AC3E}">
+        <p14:creationId xmlns:p14="http://schemas.microsoft.com/office/powerpoint/2010/main" val="2734182509"/>
+      </p:ext>
+    </p:extLst>
+  </p:cSld>
+  <p:clrMapOvr>
+    <a:masterClrMapping/>
+  </p:clrMapOvr>
+</p:sld>
+</file>
+
+<file path=ppt/slides/slide13.xml><?xml version="1.0" encoding="utf-8"?>
+<p:sld xmlns:a="http://schemas.openxmlformats.org/drawingml/2006/main" xmlns:r="http://schemas.openxmlformats.org/officeDocument/2006/relationships" xmlns:p="http://schemas.openxmlformats.org/presentationml/2006/main">
+  <p:cSld>
+    <p:spTree>
+      <p:nvGrpSpPr>
+        <p:cNvPr id="1" name=""/>
+        <p:cNvGrpSpPr/>
+        <p:nvPr/>
+      </p:nvGrpSpPr>
+      <p:grpSpPr>
+        <a:xfrm>
+          <a:off x="0" y="0"/>
+          <a:ext cx="0" cy="0"/>
+          <a:chOff x="0" y="0"/>
+          <a:chExt cx="0" cy="0"/>
+        </a:xfrm>
+      </p:grpSpPr>
+      <p:sp>
+        <p:nvSpPr>
+          <p:cNvPr id="2" name="Titre 1"/>
+          <p:cNvSpPr>
+            <a:spLocks noGrp="1"/>
+          </p:cNvSpPr>
+          <p:nvPr>
+            <p:ph type="title"/>
+          </p:nvPr>
+        </p:nvSpPr>
+        <p:spPr/>
+        <p:txBody>
+          <a:bodyPr/>
+          <a:lstStyle/>
+          <a:p>
+            <a:r>
+              <a:rPr lang="fr-FR" dirty="0"/>
+              <a:t>Grove</a:t>
+            </a:r>
+          </a:p>
+        </p:txBody>
+      </p:sp>
+      <p:sp>
+        <p:nvSpPr>
+          <p:cNvPr id="3" name="Espace réservé du contenu 2"/>
+          <p:cNvSpPr>
+            <a:spLocks noGrp="1"/>
+          </p:cNvSpPr>
+          <p:nvPr>
+            <p:ph idx="1"/>
+          </p:nvPr>
+        </p:nvSpPr>
+        <p:spPr/>
+        <p:txBody>
+          <a:bodyPr/>
+          <a:lstStyle/>
+          <a:p>
+            <a:r>
+              <a:rPr lang="fr-FR" dirty="0"/>
               <a:t>Permet de se passer de carte d'essai ou de soudure</a:t>
             </a:r>
-            <a:endParaRPr lang="fr-FR" dirty="0"/>
           </a:p>
         </p:txBody>
       </p:sp>
@@ -4006,17 +4268,10 @@
   <p:clrMapOvr>
     <a:masterClrMapping/>
   </p:clrMapOvr>
-  <p:timing>
-    <p:tnLst>
-      <p:par>
-        <p:cTn id="1" dur="indefinite" restart="never" nodeType="tmRoot"/>
-      </p:par>
-    </p:tnLst>
-  </p:timing>
 </p:sld>
 </file>
 
-<file path=ppt/slides/slide12.xml><?xml version="1.0" encoding="utf-8"?>
+<file path=ppt/slides/slide14.xml><?xml version="1.0" encoding="utf-8"?>
 <p:sld xmlns:a="http://schemas.openxmlformats.org/drawingml/2006/main" xmlns:r="http://schemas.openxmlformats.org/officeDocument/2006/relationships" xmlns:p="http://schemas.openxmlformats.org/presentationml/2006/main">
   <p:cSld>
     <p:spTree>
@@ -4049,10 +4304,9 @@
           <a:lstStyle/>
           <a:p>
             <a:r>
-              <a:rPr lang="fr-FR" dirty="0" smtClean="0"/>
+              <a:rPr lang="fr-FR" dirty="0"/>
               <a:t>Bouton poussoir</a:t>
             </a:r>
-            <a:endParaRPr lang="fr-FR" dirty="0"/>
           </a:p>
         </p:txBody>
       </p:sp>
@@ -4072,10 +4326,9 @@
           <a:lstStyle/>
           <a:p>
             <a:r>
-              <a:rPr lang="fr-FR" dirty="0" smtClean="0"/>
+              <a:rPr lang="fr-FR" dirty="0"/>
               <a:t>Permet d'avoir une entrée numérique</a:t>
             </a:r>
-            <a:endParaRPr lang="fr-FR" dirty="0"/>
           </a:p>
         </p:txBody>
       </p:sp>
@@ -4154,17 +4407,10 @@
   <p:clrMapOvr>
     <a:masterClrMapping/>
   </p:clrMapOvr>
-  <p:timing>
-    <p:tnLst>
-      <p:par>
-        <p:cTn id="1" dur="indefinite" restart="never" nodeType="tmRoot"/>
-      </p:par>
-    </p:tnLst>
-  </p:timing>
 </p:sld>
 </file>
 
-<file path=ppt/slides/slide13.xml><?xml version="1.0" encoding="utf-8"?>
+<file path=ppt/slides/slide15.xml><?xml version="1.0" encoding="utf-8"?>
 <p:sld xmlns:a="http://schemas.openxmlformats.org/drawingml/2006/main" xmlns:r="http://schemas.openxmlformats.org/officeDocument/2006/relationships" xmlns:p="http://schemas.openxmlformats.org/presentationml/2006/main">
   <p:cSld>
     <p:spTree>
@@ -4197,10 +4443,9 @@
           <a:lstStyle/>
           <a:p>
             <a:r>
-              <a:rPr lang="fr-FR" dirty="0" smtClean="0"/>
+              <a:rPr lang="fr-FR" dirty="0"/>
               <a:t>Lecture Analogique</a:t>
             </a:r>
-            <a:endParaRPr lang="fr-FR" dirty="0"/>
           </a:p>
         </p:txBody>
       </p:sp>
@@ -4220,88 +4465,78 @@
           <a:lstStyle/>
           <a:p>
             <a:r>
-              <a:rPr lang="fr-FR" dirty="0" smtClean="0"/>
+              <a:rPr lang="fr-FR" dirty="0"/>
               <a:t>Les port analogiques permettent de lire et écrire dans un range [0..5]v convertit en 8 bits</a:t>
             </a:r>
           </a:p>
           <a:p>
             <a:pPr lvl="1"/>
             <a:r>
-              <a:rPr lang="fr-FR" dirty="0" smtClean="0"/>
+              <a:rPr lang="fr-FR" dirty="0"/>
               <a:t>0v =&gt; 0, 5v =&gt; 255, 2.5v =&gt; 127</a:t>
             </a:r>
           </a:p>
           <a:p>
             <a:r>
-              <a:rPr lang="fr-FR" dirty="0" smtClean="0"/>
+              <a:rPr lang="fr-FR" dirty="0"/>
               <a:t>Le problème de la conversion se pose alors</a:t>
             </a:r>
           </a:p>
           <a:p>
             <a:pPr lvl="1"/>
             <a:r>
-              <a:rPr lang="fr-FR" dirty="0" smtClean="0"/>
+              <a:rPr lang="fr-FR" dirty="0"/>
               <a:t>Les capteurs ont souvent une conversion linéaire</a:t>
             </a:r>
           </a:p>
           <a:p>
             <a:r>
-              <a:rPr lang="fr-FR" dirty="0" err="1" smtClean="0"/>
+              <a:rPr lang="fr-FR" dirty="0" err="1"/>
               <a:t>AnalogRead</a:t>
             </a:r>
             <a:r>
-              <a:rPr lang="fr-FR" dirty="0" smtClean="0"/>
+              <a:rPr lang="fr-FR" dirty="0"/>
               <a:t>(A0)</a:t>
             </a:r>
           </a:p>
           <a:p>
             <a:pPr lvl="1"/>
             <a:r>
-              <a:rPr lang="fr-FR" dirty="0" smtClean="0"/>
+              <a:rPr lang="fr-FR" dirty="0"/>
               <a:t>Lit une donnée analogique sur le pin analogique 0</a:t>
             </a:r>
           </a:p>
           <a:p>
             <a:r>
-              <a:rPr lang="fr-FR" dirty="0" err="1" smtClean="0"/>
+              <a:rPr lang="fr-FR" dirty="0" err="1"/>
               <a:t>AnalogWrite</a:t>
             </a:r>
             <a:r>
-              <a:rPr lang="fr-FR" dirty="0" smtClean="0"/>
+              <a:rPr lang="fr-FR" dirty="0"/>
               <a:t>(A1)</a:t>
             </a:r>
+          </a:p>
+          <a:p>
+            <a:pPr lvl="1"/>
+            <a:r>
+              <a:rPr lang="fr-FR" dirty="0" err="1"/>
+              <a:t>Ecritune</a:t>
+            </a:r>
+            <a:r>
+              <a:rPr lang="fr-FR" dirty="0"/>
+              <a:t> donnée analogique sur le pin analogique 1</a:t>
+            </a:r>
+          </a:p>
+          <a:p>
             <a:endParaRPr lang="fr-FR" dirty="0"/>
           </a:p>
           <a:p>
             <a:pPr lvl="1"/>
-            <a:r>
-              <a:rPr lang="fr-FR" dirty="0" err="1" smtClean="0"/>
-              <a:t>Ecritune</a:t>
-            </a:r>
-            <a:r>
-              <a:rPr lang="fr-FR" dirty="0" smtClean="0"/>
-              <a:t> </a:t>
-            </a:r>
-            <a:r>
-              <a:rPr lang="fr-FR" dirty="0"/>
-              <a:t>donnée analogique sur le pin analogique </a:t>
-            </a:r>
-            <a:r>
-              <a:rPr lang="fr-FR" dirty="0" smtClean="0"/>
-              <a:t>1</a:t>
-            </a:r>
             <a:endParaRPr lang="fr-FR" dirty="0"/>
           </a:p>
           <a:p>
-            <a:endParaRPr lang="fr-FR" dirty="0" smtClean="0"/>
-          </a:p>
-          <a:p>
             <a:pPr lvl="1"/>
-            <a:endParaRPr lang="fr-FR" dirty="0" smtClean="0"/>
-          </a:p>
-          <a:p>
-            <a:pPr lvl="1"/>
-            <a:endParaRPr lang="fr-FR" dirty="0" smtClean="0"/>
+            <a:endParaRPr lang="fr-FR" dirty="0"/>
           </a:p>
           <a:p>
             <a:endParaRPr lang="fr-FR" dirty="0"/>
@@ -4318,17 +4553,10 @@
   <p:clrMapOvr>
     <a:masterClrMapping/>
   </p:clrMapOvr>
-  <p:timing>
-    <p:tnLst>
-      <p:par>
-        <p:cTn id="1" dur="indefinite" restart="never" nodeType="tmRoot"/>
-      </p:par>
-    </p:tnLst>
-  </p:timing>
 </p:sld>
 </file>
 
-<file path=ppt/slides/slide14.xml><?xml version="1.0" encoding="utf-8"?>
+<file path=ppt/slides/slide16.xml><?xml version="1.0" encoding="utf-8"?>
 <p:sld xmlns:a="http://schemas.openxmlformats.org/drawingml/2006/main" xmlns:r="http://schemas.openxmlformats.org/officeDocument/2006/relationships" xmlns:p="http://schemas.openxmlformats.org/presentationml/2006/main">
   <p:cSld>
     <p:spTree>
@@ -4361,10 +4589,9 @@
           <a:lstStyle/>
           <a:p>
             <a:r>
-              <a:rPr lang="fr-FR" dirty="0" smtClean="0"/>
+              <a:rPr lang="fr-FR" dirty="0"/>
               <a:t>Le capteur de température</a:t>
             </a:r>
-            <a:endParaRPr lang="fr-FR" dirty="0"/>
           </a:p>
         </p:txBody>
       </p:sp>
@@ -4389,23 +4616,19 @@
           <a:lstStyle/>
           <a:p>
             <a:r>
-              <a:rPr lang="fr-FR" sz="2400" dirty="0" smtClean="0"/>
+              <a:rPr lang="fr-FR" sz="2400" dirty="0"/>
               <a:t>Convertit une température entre 0 et 5V</a:t>
             </a:r>
           </a:p>
           <a:p>
             <a:pPr lvl="1"/>
             <a:r>
-              <a:rPr lang="fr-FR" sz="2000" dirty="0" err="1" smtClean="0"/>
+              <a:rPr lang="fr-FR" sz="2000" dirty="0" err="1"/>
               <a:t>int</a:t>
             </a:r>
             <a:r>
-              <a:rPr lang="fr-FR" sz="2000" dirty="0" smtClean="0"/>
-              <a:t> </a:t>
-            </a:r>
-            <a:r>
               <a:rPr lang="fr-FR" sz="2000" dirty="0"/>
-              <a:t>a = </a:t>
+              <a:t> a = </a:t>
             </a:r>
             <a:r>
               <a:rPr lang="fr-FR" sz="2000" dirty="0" err="1"/>
@@ -4427,7 +4650,7 @@
           <a:p>
             <a:pPr lvl="1"/>
             <a:r>
-              <a:rPr lang="fr-FR" sz="2000" dirty="0" err="1" smtClean="0"/>
+              <a:rPr lang="fr-FR" sz="2000" dirty="0" err="1"/>
               <a:t>Serial.print</a:t>
             </a:r>
             <a:r>
@@ -4440,16 +4663,12 @@
             </a:r>
             <a:r>
               <a:rPr lang="fr-FR" sz="2000" dirty="0"/>
-              <a:t> </a:t>
-            </a:r>
-            <a:r>
-              <a:rPr lang="fr-FR" sz="2000" dirty="0" smtClean="0"/>
-              <a:t>=");</a:t>
-            </a:r>
-          </a:p>
-          <a:p>
-            <a:r>
-              <a:rPr lang="fr-FR" sz="2400" dirty="0" smtClean="0"/>
+              <a:t> =");</a:t>
+            </a:r>
+          </a:p>
+          <a:p>
+            <a:r>
+              <a:rPr lang="fr-FR" sz="2400" dirty="0"/>
               <a:t>Pour convertir la tension en température (K°) une conversion linéaire est disponible</a:t>
             </a:r>
           </a:p>
@@ -4457,48 +4676,32 @@
             <a:pPr lvl="1"/>
             <a:r>
               <a:rPr lang="pt-BR" sz="2000" dirty="0"/>
-              <a:t>float R = </a:t>
-            </a:r>
-            <a:r>
-              <a:rPr lang="pt-BR" sz="2000" dirty="0" smtClean="0"/>
-              <a:t>1023.0/a-1.0;</a:t>
+              <a:t>float R = 1023.0/a-1.0;</a:t>
             </a:r>
           </a:p>
           <a:p>
             <a:pPr lvl="1"/>
             <a:r>
-              <a:rPr lang="pt-BR" sz="2000" dirty="0" smtClean="0"/>
-              <a:t>R </a:t>
-            </a:r>
-            <a:r>
               <a:rPr lang="pt-BR" sz="2000" dirty="0"/>
-              <a:t>= R0*R;</a:t>
+              <a:t>R = R0*R;</a:t>
             </a:r>
           </a:p>
           <a:p>
             <a:pPr lvl="1"/>
             <a:r>
-              <a:rPr lang="pt-BR" sz="2000" dirty="0" smtClean="0"/>
-              <a:t>float kelvin= </a:t>
-            </a:r>
-            <a:r>
               <a:rPr lang="pt-BR" sz="2000" dirty="0"/>
-              <a:t>1.0/(log(R/R0)/B+1/298.15</a:t>
-            </a:r>
-            <a:r>
-              <a:rPr lang="pt-BR" sz="2000" dirty="0" smtClean="0"/>
-              <a:t>)</a:t>
-            </a:r>
-          </a:p>
-          <a:p>
-            <a:r>
-              <a:rPr lang="pt-BR" sz="2400" dirty="0" smtClean="0"/>
+              <a:t>float kelvin= 1.0/(log(R/R0)/B+1/298.15)</a:t>
+            </a:r>
+          </a:p>
+          <a:p>
+            <a:r>
+              <a:rPr lang="pt-BR" sz="2400" dirty="0"/>
               <a:t>Pour convertir en d° il suffit de retrancher 273.15</a:t>
             </a:r>
           </a:p>
           <a:p>
             <a:pPr lvl="1"/>
-            <a:endParaRPr lang="fr-FR" sz="2000" dirty="0" smtClean="0"/>
+            <a:endParaRPr lang="fr-FR" sz="2000" dirty="0"/>
           </a:p>
           <a:p>
             <a:endParaRPr lang="fr-FR" sz="2400" dirty="0"/>
@@ -4537,458 +4740,6 @@
   <p:clrMapOvr>
     <a:masterClrMapping/>
   </p:clrMapOvr>
-  <p:timing>
-    <p:tnLst>
-      <p:par>
-        <p:cTn id="1" dur="indefinite" restart="never" nodeType="tmRoot"/>
-      </p:par>
-    </p:tnLst>
-  </p:timing>
-</p:sld>
-</file>
-
-<file path=ppt/slides/slide15.xml><?xml version="1.0" encoding="utf-8"?>
-<p:sld xmlns:a="http://schemas.openxmlformats.org/drawingml/2006/main" xmlns:r="http://schemas.openxmlformats.org/officeDocument/2006/relationships" xmlns:p="http://schemas.openxmlformats.org/presentationml/2006/main">
-  <p:cSld>
-    <p:spTree>
-      <p:nvGrpSpPr>
-        <p:cNvPr id="1" name=""/>
-        <p:cNvGrpSpPr/>
-        <p:nvPr/>
-      </p:nvGrpSpPr>
-      <p:grpSpPr>
-        <a:xfrm>
-          <a:off x="0" y="0"/>
-          <a:ext cx="0" cy="0"/>
-          <a:chOff x="0" y="0"/>
-          <a:chExt cx="0" cy="0"/>
-        </a:xfrm>
-      </p:grpSpPr>
-      <p:sp>
-        <p:nvSpPr>
-          <p:cNvPr id="2" name="Titre 1"/>
-          <p:cNvSpPr>
-            <a:spLocks noGrp="1"/>
-          </p:cNvSpPr>
-          <p:nvPr>
-            <p:ph type="title"/>
-          </p:nvPr>
-        </p:nvSpPr>
-        <p:spPr/>
-        <p:txBody>
-          <a:bodyPr/>
-          <a:lstStyle/>
-          <a:p>
-            <a:r>
-              <a:rPr lang="fr-FR" dirty="0" smtClean="0"/>
-              <a:t>Fading sur </a:t>
-            </a:r>
-            <a:r>
-              <a:rPr lang="fr-FR" dirty="0" err="1" smtClean="0"/>
-              <a:t>Led</a:t>
-            </a:r>
-            <a:endParaRPr lang="fr-FR" dirty="0"/>
-          </a:p>
-        </p:txBody>
-      </p:sp>
-      <p:sp>
-        <p:nvSpPr>
-          <p:cNvPr id="3" name="Espace réservé du contenu 2"/>
-          <p:cNvSpPr>
-            <a:spLocks noGrp="1"/>
-          </p:cNvSpPr>
-          <p:nvPr>
-            <p:ph idx="1"/>
-          </p:nvPr>
-        </p:nvSpPr>
-        <p:spPr/>
-        <p:txBody>
-          <a:bodyPr/>
-          <a:lstStyle/>
-          <a:p>
-            <a:r>
-              <a:rPr lang="fr-FR" dirty="0" smtClean="0"/>
-              <a:t>Les LED peuvent être branchées sur une sortie analogique</a:t>
-            </a:r>
-          </a:p>
-          <a:p>
-            <a:pPr lvl="1"/>
-            <a:r>
-              <a:rPr lang="fr-FR" dirty="0" smtClean="0"/>
-              <a:t>Un sortie à 2.5V permet d'avoir une luminosité à 50%</a:t>
-            </a:r>
-          </a:p>
-          <a:p>
-            <a:r>
-              <a:rPr lang="fr-FR" dirty="0" smtClean="0"/>
-              <a:t>Exemple</a:t>
-            </a:r>
-          </a:p>
-          <a:p>
-            <a:pPr lvl="1"/>
-            <a:r>
-              <a:rPr lang="en-US" dirty="0" err="1"/>
-              <a:t>val</a:t>
-            </a:r>
-            <a:r>
-              <a:rPr lang="en-US" dirty="0"/>
-              <a:t> = </a:t>
-            </a:r>
-            <a:r>
-              <a:rPr lang="en-US" dirty="0" err="1"/>
-              <a:t>analogRead</a:t>
-            </a:r>
-            <a:r>
-              <a:rPr lang="en-US" dirty="0"/>
-              <a:t>(</a:t>
-            </a:r>
-            <a:r>
-              <a:rPr lang="en-US" dirty="0" err="1"/>
-              <a:t>analogPin</a:t>
-            </a:r>
-            <a:r>
-              <a:rPr lang="en-US" dirty="0" smtClean="0"/>
-              <a:t>);</a:t>
-            </a:r>
-          </a:p>
-          <a:p>
-            <a:pPr lvl="1"/>
-            <a:r>
-              <a:rPr lang="en-US" dirty="0" err="1" smtClean="0"/>
-              <a:t>analogWrite</a:t>
-            </a:r>
-            <a:r>
-              <a:rPr lang="en-US" dirty="0" smtClean="0"/>
-              <a:t>(</a:t>
-            </a:r>
-            <a:r>
-              <a:rPr lang="en-US" dirty="0" err="1" smtClean="0"/>
-              <a:t>ledPin</a:t>
-            </a:r>
-            <a:r>
-              <a:rPr lang="en-US" dirty="0"/>
-              <a:t>, </a:t>
-            </a:r>
-            <a:r>
-              <a:rPr lang="en-US" dirty="0" err="1"/>
-              <a:t>val</a:t>
-            </a:r>
-            <a:r>
-              <a:rPr lang="en-US" dirty="0"/>
-              <a:t> </a:t>
-            </a:r>
-            <a:r>
-              <a:rPr lang="en-US" dirty="0" smtClean="0"/>
-              <a:t>);</a:t>
-            </a:r>
-          </a:p>
-          <a:p>
-            <a:pPr lvl="1"/>
-            <a:r>
-              <a:rPr lang="en-US" dirty="0" err="1" smtClean="0"/>
-              <a:t>Permet</a:t>
-            </a:r>
-            <a:r>
-              <a:rPr lang="en-US" dirty="0" smtClean="0"/>
-              <a:t> </a:t>
-            </a:r>
-            <a:r>
-              <a:rPr lang="en-US" dirty="0" err="1" smtClean="0"/>
-              <a:t>d'adapter</a:t>
-            </a:r>
-            <a:r>
-              <a:rPr lang="en-US" dirty="0" smtClean="0"/>
-              <a:t> </a:t>
-            </a:r>
-            <a:r>
-              <a:rPr lang="en-US" dirty="0" err="1" smtClean="0"/>
-              <a:t>l'intensité</a:t>
-            </a:r>
-            <a:r>
-              <a:rPr lang="en-US" dirty="0" smtClean="0"/>
-              <a:t> de la LED à la </a:t>
-            </a:r>
-            <a:r>
-              <a:rPr lang="en-US" dirty="0" err="1" smtClean="0"/>
-              <a:t>température</a:t>
-            </a:r>
-            <a:endParaRPr lang="fr-FR" dirty="0"/>
-          </a:p>
-        </p:txBody>
-      </p:sp>
-    </p:spTree>
-    <p:extLst>
-      <p:ext uri="{BB962C8B-B14F-4D97-AF65-F5344CB8AC3E}">
-        <p14:creationId xmlns:p14="http://schemas.microsoft.com/office/powerpoint/2010/main" val="1941932961"/>
-      </p:ext>
-    </p:extLst>
-  </p:cSld>
-  <p:clrMapOvr>
-    <a:masterClrMapping/>
-  </p:clrMapOvr>
-  <p:timing>
-    <p:tnLst>
-      <p:par>
-        <p:cTn id="1" dur="indefinite" restart="never" nodeType="tmRoot"/>
-      </p:par>
-    </p:tnLst>
-  </p:timing>
-</p:sld>
-</file>
-
-<file path=ppt/slides/slide16.xml><?xml version="1.0" encoding="utf-8"?>
-<p:sld xmlns:a="http://schemas.openxmlformats.org/drawingml/2006/main" xmlns:r="http://schemas.openxmlformats.org/officeDocument/2006/relationships" xmlns:p="http://schemas.openxmlformats.org/presentationml/2006/main">
-  <p:cSld>
-    <p:spTree>
-      <p:nvGrpSpPr>
-        <p:cNvPr id="1" name=""/>
-        <p:cNvGrpSpPr/>
-        <p:nvPr/>
-      </p:nvGrpSpPr>
-      <p:grpSpPr>
-        <a:xfrm>
-          <a:off x="0" y="0"/>
-          <a:ext cx="0" cy="0"/>
-          <a:chOff x="0" y="0"/>
-          <a:chExt cx="0" cy="0"/>
-        </a:xfrm>
-      </p:grpSpPr>
-      <p:sp>
-        <p:nvSpPr>
-          <p:cNvPr id="2" name="Titre 1"/>
-          <p:cNvSpPr>
-            <a:spLocks noGrp="1"/>
-          </p:cNvSpPr>
-          <p:nvPr>
-            <p:ph type="title"/>
-          </p:nvPr>
-        </p:nvSpPr>
-        <p:spPr/>
-        <p:txBody>
-          <a:bodyPr/>
-          <a:lstStyle/>
-          <a:p>
-            <a:r>
-              <a:rPr lang="fr-FR" dirty="0" smtClean="0"/>
-              <a:t>Boucle for</a:t>
-            </a:r>
-            <a:endParaRPr lang="fr-FR" dirty="0"/>
-          </a:p>
-        </p:txBody>
-      </p:sp>
-      <p:sp>
-        <p:nvSpPr>
-          <p:cNvPr id="3" name="Espace réservé du contenu 2"/>
-          <p:cNvSpPr>
-            <a:spLocks noGrp="1"/>
-          </p:cNvSpPr>
-          <p:nvPr>
-            <p:ph idx="1"/>
-          </p:nvPr>
-        </p:nvSpPr>
-        <p:spPr/>
-        <p:txBody>
-          <a:bodyPr/>
-          <a:lstStyle/>
-          <a:p>
-            <a:r>
-              <a:rPr lang="fr-FR" dirty="0" smtClean="0"/>
-              <a:t>La boucle for permet de boucler sur des valeurs</a:t>
-            </a:r>
-          </a:p>
-          <a:p>
-            <a:r>
-              <a:rPr lang="fr-FR" dirty="0" smtClean="0"/>
-              <a:t>Exemple le fading </a:t>
-            </a:r>
-            <a:r>
-              <a:rPr lang="fr-FR" dirty="0" err="1" smtClean="0"/>
-              <a:t>led</a:t>
-            </a:r>
-            <a:endParaRPr lang="fr-FR" dirty="0" smtClean="0"/>
-          </a:p>
-          <a:p>
-            <a:pPr lvl="1"/>
-            <a:r>
-              <a:rPr lang="fr-FR" dirty="0" err="1"/>
-              <a:t>void</a:t>
-            </a:r>
-            <a:r>
-              <a:rPr lang="fr-FR" dirty="0"/>
-              <a:t> </a:t>
-            </a:r>
-            <a:r>
-              <a:rPr lang="fr-FR" dirty="0" err="1"/>
-              <a:t>loop</a:t>
-            </a:r>
-            <a:r>
-              <a:rPr lang="fr-FR" dirty="0"/>
-              <a:t>() {</a:t>
-            </a:r>
-            <a:br>
-              <a:rPr lang="fr-FR" dirty="0"/>
-            </a:br>
-            <a:r>
-              <a:rPr lang="fr-FR" dirty="0" smtClean="0"/>
-              <a:t>	for(i </a:t>
-            </a:r>
-            <a:r>
-              <a:rPr lang="fr-FR" dirty="0"/>
-              <a:t>= 0; i &lt; 255; i++) {</a:t>
-            </a:r>
-            <a:br>
-              <a:rPr lang="fr-FR" dirty="0"/>
-            </a:br>
-            <a:r>
-              <a:rPr lang="fr-FR" dirty="0"/>
-              <a:t>  </a:t>
-            </a:r>
-            <a:r>
-              <a:rPr lang="fr-FR" dirty="0" smtClean="0"/>
-              <a:t>		</a:t>
-            </a:r>
-            <a:r>
-              <a:rPr lang="fr-FR" dirty="0" err="1" smtClean="0"/>
-              <a:t>analogWrite</a:t>
-            </a:r>
-            <a:r>
-              <a:rPr lang="fr-FR" dirty="0" smtClean="0"/>
-              <a:t>(LED</a:t>
-            </a:r>
-            <a:r>
-              <a:rPr lang="fr-FR" dirty="0"/>
-              <a:t>, i);</a:t>
-            </a:r>
-            <a:br>
-              <a:rPr lang="fr-FR" dirty="0"/>
-            </a:br>
-            <a:r>
-              <a:rPr lang="fr-FR" dirty="0"/>
-              <a:t> </a:t>
-            </a:r>
-            <a:r>
-              <a:rPr lang="fr-FR" dirty="0" smtClean="0"/>
-              <a:t> 		</a:t>
-            </a:r>
-            <a:r>
-              <a:rPr lang="fr-FR" dirty="0" err="1" smtClean="0"/>
-              <a:t>delay</a:t>
-            </a:r>
-            <a:r>
-              <a:rPr lang="fr-FR" dirty="0" smtClean="0"/>
-              <a:t>(10</a:t>
-            </a:r>
-            <a:r>
-              <a:rPr lang="fr-FR" dirty="0"/>
-              <a:t>);</a:t>
-            </a:r>
-            <a:br>
-              <a:rPr lang="fr-FR" dirty="0"/>
-            </a:br>
-            <a:r>
-              <a:rPr lang="fr-FR" dirty="0" smtClean="0"/>
-              <a:t>	}</a:t>
-            </a:r>
-            <a:r>
-              <a:rPr lang="fr-FR" dirty="0"/>
-              <a:t/>
-            </a:r>
-            <a:br>
-              <a:rPr lang="fr-FR" dirty="0"/>
-            </a:br>
-            <a:r>
-              <a:rPr lang="fr-FR" dirty="0" smtClean="0"/>
-              <a:t>	for(i </a:t>
-            </a:r>
-            <a:r>
-              <a:rPr lang="fr-FR" dirty="0"/>
-              <a:t>= 255; i &gt; 0; i--) {</a:t>
-            </a:r>
-            <a:br>
-              <a:rPr lang="fr-FR" dirty="0"/>
-            </a:br>
-            <a:r>
-              <a:rPr lang="fr-FR" dirty="0"/>
-              <a:t>  </a:t>
-            </a:r>
-            <a:r>
-              <a:rPr lang="fr-FR" dirty="0" smtClean="0"/>
-              <a:t>		</a:t>
-            </a:r>
-            <a:r>
-              <a:rPr lang="fr-FR" dirty="0" err="1" smtClean="0"/>
-              <a:t>analogWrite</a:t>
-            </a:r>
-            <a:r>
-              <a:rPr lang="fr-FR" dirty="0" smtClean="0"/>
-              <a:t>(LED</a:t>
-            </a:r>
-            <a:r>
-              <a:rPr lang="fr-FR" dirty="0"/>
-              <a:t>, i);</a:t>
-            </a:r>
-            <a:br>
-              <a:rPr lang="fr-FR" dirty="0"/>
-            </a:br>
-            <a:r>
-              <a:rPr lang="fr-FR" dirty="0"/>
-              <a:t>  </a:t>
-            </a:r>
-            <a:r>
-              <a:rPr lang="fr-FR" dirty="0" smtClean="0"/>
-              <a:t>		</a:t>
-            </a:r>
-            <a:r>
-              <a:rPr lang="fr-FR" dirty="0" err="1" smtClean="0"/>
-              <a:t>delay</a:t>
-            </a:r>
-            <a:r>
-              <a:rPr lang="fr-FR" dirty="0" smtClean="0"/>
-              <a:t>(10</a:t>
-            </a:r>
-            <a:r>
-              <a:rPr lang="fr-FR" dirty="0"/>
-              <a:t>);</a:t>
-            </a:r>
-            <a:br>
-              <a:rPr lang="fr-FR" dirty="0"/>
-            </a:br>
-            <a:r>
-              <a:rPr lang="fr-FR" dirty="0" smtClean="0"/>
-              <a:t>	}</a:t>
-            </a:r>
-            <a:r>
-              <a:rPr lang="fr-FR" dirty="0"/>
-              <a:t/>
-            </a:r>
-            <a:br>
-              <a:rPr lang="fr-FR" dirty="0"/>
-            </a:br>
-            <a:r>
-              <a:rPr lang="fr-FR" dirty="0" smtClean="0"/>
-              <a:t>}</a:t>
-            </a:r>
-            <a:endParaRPr lang="fr-FR" dirty="0"/>
-          </a:p>
-        </p:txBody>
-      </p:sp>
-    </p:spTree>
-    <p:extLst>
-      <p:ext uri="{BB962C8B-B14F-4D97-AF65-F5344CB8AC3E}">
-        <p14:creationId xmlns:p14="http://schemas.microsoft.com/office/powerpoint/2010/main" val="3376649889"/>
-      </p:ext>
-    </p:extLst>
-  </p:cSld>
-  <p:clrMapOvr>
-    <a:masterClrMapping/>
-  </p:clrMapOvr>
-  <p:timing>
-    <p:tnLst>
-      <p:par>
-        <p:cTn id="1" dur="indefinite" restart="never" nodeType="tmRoot"/>
-      </p:par>
-    </p:tnLst>
-  </p:timing>
 </p:sld>
 </file>
 
@@ -5025,8 +4776,12 @@
           <a:lstStyle/>
           <a:p>
             <a:r>
-              <a:rPr lang="fr-FR" dirty="0" smtClean="0"/>
-              <a:t>Bus I2C</a:t>
+              <a:rPr lang="fr-FR" dirty="0"/>
+              <a:t>Fading sur </a:t>
+            </a:r>
+            <a:r>
+              <a:rPr lang="fr-FR" dirty="0" err="1"/>
+              <a:t>Led</a:t>
             </a:r>
             <a:endParaRPr lang="fr-FR" dirty="0"/>
           </a:p>
@@ -5049,37 +4804,106 @@
           <a:p>
             <a:r>
               <a:rPr lang="fr-FR" dirty="0"/>
-              <a:t>I2C </a:t>
-            </a:r>
-            <a:r>
-              <a:rPr lang="fr-FR" dirty="0" smtClean="0"/>
-              <a:t>(Inter-Integrated Circuit) est </a:t>
-            </a:r>
-            <a:r>
-              <a:rPr lang="fr-FR" dirty="0"/>
-              <a:t>un bus informatique qui a émergé de la « guerre des standards » lancée par les acteurs du monde </a:t>
-            </a:r>
-            <a:r>
-              <a:rPr lang="fr-FR" dirty="0" smtClean="0"/>
-              <a:t>électronique</a:t>
+              <a:t>Les LED peuvent être branchées sur une sortie analogique</a:t>
             </a:r>
           </a:p>
           <a:p>
             <a:pPr lvl="1"/>
             <a:r>
-              <a:rPr lang="fr-FR" dirty="0" smtClean="0"/>
-              <a:t>Conçu </a:t>
-            </a:r>
-            <a:r>
-              <a:rPr lang="fr-FR" dirty="0"/>
-              <a:t>par Philips pour les applications de domotique et d’électronique domestique, il permet de relier facilement un microprocesseur et différents circuits, notamment ceux d’un téléviseur moderne : récepteur de la télécommande, réglages des amplificateurs basses fréquences, tuner, horloge, </a:t>
-            </a:r>
-            <a:r>
-              <a:rPr lang="fr-FR" dirty="0" smtClean="0"/>
-              <a:t>…</a:t>
-            </a:r>
-          </a:p>
-          <a:p>
+              <a:rPr lang="fr-FR" dirty="0"/>
+              <a:t>Un sortie à 2.5V permet d'avoir une luminosité à 50%</a:t>
+            </a:r>
+          </a:p>
+          <a:p>
+            <a:r>
+              <a:rPr lang="fr-FR" dirty="0"/>
+              <a:t>Exemple</a:t>
+            </a:r>
+          </a:p>
+          <a:p>
+            <a:pPr lvl="1"/>
+            <a:r>
+              <a:rPr lang="en-US" dirty="0" err="1"/>
+              <a:t>val</a:t>
+            </a:r>
+            <a:r>
+              <a:rPr lang="en-US" dirty="0"/>
+              <a:t> = </a:t>
+            </a:r>
+            <a:r>
+              <a:rPr lang="en-US" dirty="0" err="1"/>
+              <a:t>analogRead</a:t>
+            </a:r>
+            <a:r>
+              <a:rPr lang="en-US" dirty="0"/>
+              <a:t>(</a:t>
+            </a:r>
+            <a:r>
+              <a:rPr lang="en-US" dirty="0" err="1"/>
+              <a:t>analogPin</a:t>
+            </a:r>
+            <a:r>
+              <a:rPr lang="en-US" dirty="0"/>
+              <a:t>);</a:t>
+            </a:r>
+          </a:p>
+          <a:p>
+            <a:pPr lvl="1"/>
+            <a:r>
+              <a:rPr lang="en-US" dirty="0" err="1"/>
+              <a:t>analogWrite</a:t>
+            </a:r>
+            <a:r>
+              <a:rPr lang="en-US" dirty="0"/>
+              <a:t>(</a:t>
+            </a:r>
+            <a:r>
+              <a:rPr lang="en-US" dirty="0" err="1"/>
+              <a:t>ledPin</a:t>
+            </a:r>
+            <a:r>
+              <a:rPr lang="en-US" dirty="0"/>
+              <a:t>, </a:t>
+            </a:r>
+            <a:r>
+              <a:rPr lang="en-US" dirty="0" err="1"/>
+              <a:t>val</a:t>
+            </a:r>
+            <a:r>
+              <a:rPr lang="en-US" dirty="0"/>
+              <a:t> );</a:t>
+            </a:r>
+          </a:p>
+          <a:p>
+            <a:pPr lvl="1"/>
+            <a:r>
+              <a:rPr lang="en-US" dirty="0" err="1"/>
+              <a:t>Permet</a:t>
+            </a:r>
+            <a:r>
+              <a:rPr lang="en-US" dirty="0"/>
+              <a:t> </a:t>
+            </a:r>
+            <a:r>
+              <a:rPr lang="en-US" dirty="0" err="1"/>
+              <a:t>d'adapter</a:t>
+            </a:r>
+            <a:r>
+              <a:rPr lang="en-US" dirty="0"/>
+              <a:t> </a:t>
+            </a:r>
+            <a:r>
+              <a:rPr lang="en-US" dirty="0" err="1"/>
+              <a:t>l'intensité</a:t>
+            </a:r>
+            <a:r>
+              <a:rPr lang="en-US" dirty="0"/>
+              <a:t> de la LED à la </a:t>
+            </a:r>
+            <a:r>
+              <a:rPr lang="en-US" dirty="0" err="1"/>
+              <a:t>température</a:t>
+            </a:r>
             <a:endParaRPr lang="fr-FR" dirty="0"/>
           </a:p>
         </p:txBody>
@@ -5087,20 +4911,13 @@
     </p:spTree>
     <p:extLst>
       <p:ext uri="{BB962C8B-B14F-4D97-AF65-F5344CB8AC3E}">
-        <p14:creationId xmlns:p14="http://schemas.microsoft.com/office/powerpoint/2010/main" val="1093932517"/>
+        <p14:creationId xmlns:p14="http://schemas.microsoft.com/office/powerpoint/2010/main" val="1941932961"/>
       </p:ext>
     </p:extLst>
   </p:cSld>
   <p:clrMapOvr>
     <a:masterClrMapping/>
   </p:clrMapOvr>
-  <p:timing>
-    <p:tnLst>
-      <p:par>
-        <p:cTn id="1" dur="indefinite" restart="never" nodeType="tmRoot"/>
-      </p:par>
-    </p:tnLst>
-  </p:timing>
 </p:sld>
 </file>
 
@@ -5137,10 +4954,9 @@
           <a:lstStyle/>
           <a:p>
             <a:r>
-              <a:rPr lang="fr-FR" dirty="0" smtClean="0"/>
-              <a:t>Librairie</a:t>
-            </a:r>
-            <a:endParaRPr lang="fr-FR" dirty="0"/>
+              <a:rPr lang="fr-FR" dirty="0"/>
+              <a:t>Boucle for</a:t>
+            </a:r>
           </a:p>
         </p:txBody>
       </p:sp>
@@ -5160,105 +4976,147 @@
           <a:lstStyle/>
           <a:p>
             <a:r>
-              <a:rPr lang="fr-FR" dirty="0" smtClean="0"/>
-              <a:t>Les librairies </a:t>
-            </a:r>
-            <a:r>
-              <a:rPr lang="fr-FR" dirty="0" err="1" smtClean="0"/>
-              <a:t>Arduino</a:t>
-            </a:r>
-            <a:r>
-              <a:rPr lang="fr-FR" dirty="0" smtClean="0"/>
+              <a:rPr lang="fr-FR" dirty="0"/>
+              <a:t>La boucle for permet de boucler sur des valeurs</a:t>
+            </a:r>
+          </a:p>
+          <a:p>
+            <a:r>
+              <a:rPr lang="fr-FR" dirty="0"/>
+              <a:t>Exemple le fading </a:t>
+            </a:r>
+            <a:r>
+              <a:rPr lang="fr-FR" dirty="0" err="1"/>
+              <a:t>led</a:t>
+            </a:r>
+            <a:endParaRPr lang="fr-FR" dirty="0"/>
+          </a:p>
+          <a:p>
+            <a:pPr lvl="1"/>
+            <a:r>
+              <a:rPr lang="fr-FR" dirty="0" err="1"/>
+              <a:t>void</a:t>
+            </a:r>
+            <a:r>
+              <a:rPr lang="fr-FR" dirty="0"/>
               <a:t> </a:t>
             </a:r>
             <a:r>
-              <a:rPr lang="fr-FR" dirty="0" smtClean="0"/>
-              <a:t>permettent d'avoir des extension C++ par des librairies</a:t>
-            </a:r>
-          </a:p>
-          <a:p>
-            <a:pPr lvl="1"/>
-            <a:r>
-              <a:rPr lang="fr-FR" dirty="0" smtClean="0"/>
-              <a:t>Se télécharge via </a:t>
-            </a:r>
-            <a:r>
-              <a:rPr lang="fr-FR" dirty="0" err="1" smtClean="0"/>
-              <a:t>Arduino</a:t>
-            </a:r>
-            <a:r>
-              <a:rPr lang="fr-FR" dirty="0" smtClean="0"/>
-              <a:t> Studio</a:t>
-            </a:r>
-          </a:p>
-          <a:p>
-            <a:pPr lvl="1"/>
-            <a:r>
-              <a:rPr lang="fr-FR" dirty="0" smtClean="0"/>
-              <a:t>Ou se </a:t>
-            </a:r>
-            <a:r>
-              <a:rPr lang="fr-FR" dirty="0" err="1" smtClean="0"/>
-              <a:t>dezippe</a:t>
-            </a:r>
-            <a:r>
-              <a:rPr lang="fr-FR" dirty="0" smtClean="0"/>
-              <a:t> dans le répertoire </a:t>
-            </a:r>
-            <a:r>
-              <a:rPr lang="fr-FR" dirty="0" err="1" smtClean="0"/>
-              <a:t>libraries</a:t>
-            </a:r>
-            <a:endParaRPr lang="fr-FR" dirty="0" smtClean="0"/>
-          </a:p>
-          <a:p>
-            <a:pPr lvl="1"/>
-            <a:r>
-              <a:rPr lang="fr-FR" dirty="0" smtClean="0"/>
-              <a:t>import obligatoire</a:t>
-            </a:r>
-          </a:p>
-          <a:p>
-            <a:r>
-              <a:rPr lang="fr-FR" dirty="0" smtClean="0"/>
-              <a:t>Gestion de l'I2C</a:t>
-            </a:r>
-          </a:p>
-          <a:p>
-            <a:pPr lvl="1"/>
-            <a:r>
-              <a:rPr lang="fr-FR" dirty="0"/>
-              <a:t>Librairie </a:t>
-            </a:r>
-            <a:r>
-              <a:rPr lang="fr-FR" dirty="0" err="1" smtClean="0"/>
-              <a:t>Wire</a:t>
-            </a:r>
-            <a:endParaRPr lang="fr-FR" dirty="0" smtClean="0"/>
-          </a:p>
-          <a:p>
-            <a:pPr lvl="1"/>
-            <a:endParaRPr lang="fr-FR" dirty="0"/>
+              <a:rPr lang="fr-FR" dirty="0" err="1"/>
+              <a:t>loop</a:t>
+            </a:r>
+            <a:r>
+              <a:rPr lang="fr-FR" dirty="0"/>
+              <a:t>() {</a:t>
+            </a:r>
+            <a:br>
+              <a:rPr lang="fr-FR" dirty="0"/>
+            </a:br>
+            <a:r>
+              <a:rPr lang="fr-FR" dirty="0"/>
+              <a:t>	for(i = 0; i &lt; 255; i++) {</a:t>
+            </a:r>
+            <a:br>
+              <a:rPr lang="fr-FR" dirty="0"/>
+            </a:br>
+            <a:r>
+              <a:rPr lang="fr-FR" dirty="0"/>
+              <a:t>  		</a:t>
+            </a:r>
+            <a:r>
+              <a:rPr lang="fr-FR" dirty="0" err="1"/>
+              <a:t>analogWrite</a:t>
+            </a:r>
+            <a:r>
+              <a:rPr lang="fr-FR" dirty="0"/>
+              <a:t>(LED, i);</a:t>
+            </a:r>
+            <a:br>
+              <a:rPr lang="fr-FR" dirty="0"/>
+            </a:br>
+            <a:r>
+              <a:rPr lang="fr-FR" dirty="0"/>
+              <a:t>  		</a:t>
+            </a:r>
+            <a:r>
+              <a:rPr lang="fr-FR" dirty="0" err="1"/>
+              <a:t>delay</a:t>
+            </a:r>
+            <a:r>
+              <a:rPr lang="fr-FR" dirty="0"/>
+              <a:t>(10);</a:t>
+            </a:r>
+            <a:br>
+              <a:rPr lang="fr-FR" dirty="0"/>
+            </a:br>
+            <a:r>
+              <a:rPr lang="fr-FR" dirty="0"/>
+              <a:t>	}</a:t>
+            </a:r>
+            <a:br>
+              <a:rPr lang="fr-FR" dirty="0"/>
+            </a:br>
+            <a:r>
+              <a:rPr lang="fr-FR" dirty="0"/>
+              <a:t>	for(i = 255; i &gt; 0; i--) {</a:t>
+            </a:r>
+            <a:br>
+              <a:rPr lang="fr-FR" dirty="0"/>
+            </a:br>
+            <a:r>
+              <a:rPr lang="fr-FR" dirty="0"/>
+              <a:t>  		</a:t>
+            </a:r>
+            <a:r>
+              <a:rPr lang="fr-FR" dirty="0" err="1"/>
+              <a:t>analogWrite</a:t>
+            </a:r>
+            <a:r>
+              <a:rPr lang="fr-FR" dirty="0"/>
+              <a:t>(LED, i);</a:t>
+            </a:r>
+            <a:br>
+              <a:rPr lang="fr-FR" dirty="0"/>
+            </a:br>
+            <a:r>
+              <a:rPr lang="fr-FR" dirty="0"/>
+              <a:t>  		</a:t>
+            </a:r>
+            <a:r>
+              <a:rPr lang="fr-FR" dirty="0" err="1"/>
+              <a:t>delay</a:t>
+            </a:r>
+            <a:r>
+              <a:rPr lang="fr-FR" dirty="0"/>
+              <a:t>(10);</a:t>
+            </a:r>
+            <a:br>
+              <a:rPr lang="fr-FR" dirty="0"/>
+            </a:br>
+            <a:r>
+              <a:rPr lang="fr-FR" dirty="0"/>
+              <a:t>	}</a:t>
+            </a:r>
+            <a:br>
+              <a:rPr lang="fr-FR" dirty="0"/>
+            </a:br>
+            <a:r>
+              <a:rPr lang="fr-FR" dirty="0"/>
+              <a:t>}</a:t>
+            </a:r>
           </a:p>
         </p:txBody>
       </p:sp>
     </p:spTree>
     <p:extLst>
       <p:ext uri="{BB962C8B-B14F-4D97-AF65-F5344CB8AC3E}">
-        <p14:creationId xmlns:p14="http://schemas.microsoft.com/office/powerpoint/2010/main" val="3558708397"/>
+        <p14:creationId xmlns:p14="http://schemas.microsoft.com/office/powerpoint/2010/main" val="3376649889"/>
       </p:ext>
     </p:extLst>
   </p:cSld>
   <p:clrMapOvr>
     <a:masterClrMapping/>
   </p:clrMapOvr>
-  <p:timing>
-    <p:tnLst>
-      <p:par>
-        <p:cTn id="1" dur="indefinite" restart="never" nodeType="tmRoot"/>
-      </p:par>
-    </p:tnLst>
-  </p:timing>
 </p:sld>
 </file>
 
@@ -5295,10 +5153,326 @@
           <a:lstStyle/>
           <a:p>
             <a:r>
-              <a:rPr lang="fr-FR" dirty="0" smtClean="0"/>
+              <a:rPr lang="fr-FR" dirty="0"/>
+              <a:t>Bus I2C</a:t>
+            </a:r>
+          </a:p>
+        </p:txBody>
+      </p:sp>
+      <p:sp>
+        <p:nvSpPr>
+          <p:cNvPr id="3" name="Espace réservé du contenu 2"/>
+          <p:cNvSpPr>
+            <a:spLocks noGrp="1"/>
+          </p:cNvSpPr>
+          <p:nvPr>
+            <p:ph idx="1"/>
+          </p:nvPr>
+        </p:nvSpPr>
+        <p:spPr/>
+        <p:txBody>
+          <a:bodyPr/>
+          <a:lstStyle/>
+          <a:p>
+            <a:r>
+              <a:rPr lang="fr-FR" dirty="0"/>
+              <a:t>I2C (Inter-Integrated Circuit) est un bus informatique qui a émergé de la « guerre des standards » lancée par les acteurs du monde électronique</a:t>
+            </a:r>
+          </a:p>
+          <a:p>
+            <a:pPr lvl="1"/>
+            <a:r>
+              <a:rPr lang="fr-FR" dirty="0"/>
+              <a:t>Conçu par Philips pour les applications de domotique et d’électronique domestique, il permet de relier facilement un microprocesseur et différents circuits, notamment ceux d’un téléviseur moderne : récepteur de la télécommande, réglages des amplificateurs basses fréquences, tuner, horloge, …</a:t>
+            </a:r>
+          </a:p>
+          <a:p>
+            <a:endParaRPr lang="fr-FR" dirty="0"/>
+          </a:p>
+        </p:txBody>
+      </p:sp>
+    </p:spTree>
+    <p:extLst>
+      <p:ext uri="{BB962C8B-B14F-4D97-AF65-F5344CB8AC3E}">
+        <p14:creationId xmlns:p14="http://schemas.microsoft.com/office/powerpoint/2010/main" val="1093932517"/>
+      </p:ext>
+    </p:extLst>
+  </p:cSld>
+  <p:clrMapOvr>
+    <a:masterClrMapping/>
+  </p:clrMapOvr>
+</p:sld>
+</file>
+
+<file path=ppt/slides/slide2.xml><?xml version="1.0" encoding="utf-8"?>
+<p:sld xmlns:a="http://schemas.openxmlformats.org/drawingml/2006/main" xmlns:r="http://schemas.openxmlformats.org/officeDocument/2006/relationships" xmlns:p="http://schemas.openxmlformats.org/presentationml/2006/main">
+  <p:cSld>
+    <p:spTree>
+      <p:nvGrpSpPr>
+        <p:cNvPr id="1" name=""/>
+        <p:cNvGrpSpPr/>
+        <p:nvPr/>
+      </p:nvGrpSpPr>
+      <p:grpSpPr>
+        <a:xfrm>
+          <a:off x="0" y="0"/>
+          <a:ext cx="0" cy="0"/>
+          <a:chOff x="0" y="0"/>
+          <a:chExt cx="0" cy="0"/>
+        </a:xfrm>
+      </p:grpSpPr>
+      <p:sp>
+        <p:nvSpPr>
+          <p:cNvPr id="2" name="Titre 1"/>
+          <p:cNvSpPr>
+            <a:spLocks noGrp="1"/>
+          </p:cNvSpPr>
+          <p:nvPr>
+            <p:ph type="title"/>
+          </p:nvPr>
+        </p:nvSpPr>
+        <p:spPr/>
+        <p:txBody>
+          <a:bodyPr/>
+          <a:lstStyle/>
+          <a:p>
+            <a:r>
+              <a:rPr lang="fr-FR" dirty="0"/>
+              <a:t>C++</a:t>
+            </a:r>
+          </a:p>
+        </p:txBody>
+      </p:sp>
+      <p:sp>
+        <p:nvSpPr>
+          <p:cNvPr id="3" name="Espace réservé du contenu 2"/>
+          <p:cNvSpPr>
+            <a:spLocks noGrp="1"/>
+          </p:cNvSpPr>
+          <p:nvPr>
+            <p:ph idx="1"/>
+          </p:nvPr>
+        </p:nvSpPr>
+        <p:spPr/>
+        <p:txBody>
+          <a:bodyPr/>
+          <a:lstStyle/>
+          <a:p>
+            <a:r>
+              <a:rPr lang="fr-FR" dirty="0"/>
+              <a:t>C++ est un langage de programmation orienté objet</a:t>
+            </a:r>
+          </a:p>
+          <a:p>
+            <a:r>
+              <a:rPr lang="fr-FR" dirty="0" err="1"/>
+              <a:t>Arduino</a:t>
+            </a:r>
+            <a:r>
+              <a:rPr lang="fr-FR" dirty="0"/>
+              <a:t> est compatible C++ 11 et GCC</a:t>
+            </a:r>
+          </a:p>
+          <a:p>
+            <a:endParaRPr lang="fr-FR" dirty="0"/>
+          </a:p>
+        </p:txBody>
+      </p:sp>
+    </p:spTree>
+    <p:extLst>
+      <p:ext uri="{BB962C8B-B14F-4D97-AF65-F5344CB8AC3E}">
+        <p14:creationId xmlns:p14="http://schemas.microsoft.com/office/powerpoint/2010/main" val="351907945"/>
+      </p:ext>
+    </p:extLst>
+  </p:cSld>
+  <p:clrMapOvr>
+    <a:masterClrMapping/>
+  </p:clrMapOvr>
+</p:sld>
+</file>
+
+<file path=ppt/slides/slide20.xml><?xml version="1.0" encoding="utf-8"?>
+<p:sld xmlns:a="http://schemas.openxmlformats.org/drawingml/2006/main" xmlns:r="http://schemas.openxmlformats.org/officeDocument/2006/relationships" xmlns:p="http://schemas.openxmlformats.org/presentationml/2006/main">
+  <p:cSld>
+    <p:spTree>
+      <p:nvGrpSpPr>
+        <p:cNvPr id="1" name=""/>
+        <p:cNvGrpSpPr/>
+        <p:nvPr/>
+      </p:nvGrpSpPr>
+      <p:grpSpPr>
+        <a:xfrm>
+          <a:off x="0" y="0"/>
+          <a:ext cx="0" cy="0"/>
+          <a:chOff x="0" y="0"/>
+          <a:chExt cx="0" cy="0"/>
+        </a:xfrm>
+      </p:grpSpPr>
+      <p:sp>
+        <p:nvSpPr>
+          <p:cNvPr id="2" name="Titre 1"/>
+          <p:cNvSpPr>
+            <a:spLocks noGrp="1"/>
+          </p:cNvSpPr>
+          <p:nvPr>
+            <p:ph type="title"/>
+          </p:nvPr>
+        </p:nvSpPr>
+        <p:spPr/>
+        <p:txBody>
+          <a:bodyPr/>
+          <a:lstStyle/>
+          <a:p>
+            <a:r>
+              <a:rPr lang="fr-FR" dirty="0"/>
+              <a:t>Librairie</a:t>
+            </a:r>
+          </a:p>
+        </p:txBody>
+      </p:sp>
+      <p:sp>
+        <p:nvSpPr>
+          <p:cNvPr id="3" name="Espace réservé du contenu 2"/>
+          <p:cNvSpPr>
+            <a:spLocks noGrp="1"/>
+          </p:cNvSpPr>
+          <p:nvPr>
+            <p:ph idx="1"/>
+          </p:nvPr>
+        </p:nvSpPr>
+        <p:spPr/>
+        <p:txBody>
+          <a:bodyPr/>
+          <a:lstStyle/>
+          <a:p>
+            <a:r>
+              <a:rPr lang="fr-FR" dirty="0"/>
+              <a:t>Les librairies </a:t>
+            </a:r>
+            <a:r>
+              <a:rPr lang="fr-FR" dirty="0" err="1"/>
+              <a:t>Arduino</a:t>
+            </a:r>
+            <a:r>
+              <a:rPr lang="fr-FR" dirty="0"/>
+              <a:t> permettent d'avoir des extension C++ par des librairies</a:t>
+            </a:r>
+          </a:p>
+          <a:p>
+            <a:pPr lvl="1"/>
+            <a:r>
+              <a:rPr lang="fr-FR" dirty="0"/>
+              <a:t>Se télécharge via </a:t>
+            </a:r>
+            <a:r>
+              <a:rPr lang="fr-FR" dirty="0" err="1"/>
+              <a:t>Arduino</a:t>
+            </a:r>
+            <a:r>
+              <a:rPr lang="fr-FR" dirty="0"/>
+              <a:t> Studio</a:t>
+            </a:r>
+          </a:p>
+          <a:p>
+            <a:pPr lvl="1"/>
+            <a:r>
+              <a:rPr lang="fr-FR" dirty="0"/>
+              <a:t>Ou se </a:t>
+            </a:r>
+            <a:r>
+              <a:rPr lang="fr-FR" dirty="0" err="1"/>
+              <a:t>dezippe</a:t>
+            </a:r>
+            <a:r>
+              <a:rPr lang="fr-FR" dirty="0"/>
+              <a:t> dans le répertoire </a:t>
+            </a:r>
+            <a:r>
+              <a:rPr lang="fr-FR" dirty="0" err="1"/>
+              <a:t>libraries</a:t>
+            </a:r>
+            <a:endParaRPr lang="fr-FR" dirty="0"/>
+          </a:p>
+          <a:p>
+            <a:pPr lvl="1"/>
+            <a:r>
+              <a:rPr lang="fr-FR" dirty="0"/>
+              <a:t>import obligatoire</a:t>
+            </a:r>
+          </a:p>
+          <a:p>
+            <a:r>
+              <a:rPr lang="fr-FR" dirty="0"/>
+              <a:t>Gestion de l'I2C</a:t>
+            </a:r>
+          </a:p>
+          <a:p>
+            <a:pPr lvl="1"/>
+            <a:r>
+              <a:rPr lang="fr-FR" dirty="0"/>
+              <a:t>Librairie </a:t>
+            </a:r>
+            <a:r>
+              <a:rPr lang="fr-FR" dirty="0" err="1"/>
+              <a:t>Wire</a:t>
+            </a:r>
+            <a:endParaRPr lang="fr-FR" dirty="0"/>
+          </a:p>
+          <a:p>
+            <a:pPr lvl="1"/>
+            <a:endParaRPr lang="fr-FR" dirty="0"/>
+          </a:p>
+        </p:txBody>
+      </p:sp>
+    </p:spTree>
+    <p:extLst>
+      <p:ext uri="{BB962C8B-B14F-4D97-AF65-F5344CB8AC3E}">
+        <p14:creationId xmlns:p14="http://schemas.microsoft.com/office/powerpoint/2010/main" val="3558708397"/>
+      </p:ext>
+    </p:extLst>
+  </p:cSld>
+  <p:clrMapOvr>
+    <a:masterClrMapping/>
+  </p:clrMapOvr>
+</p:sld>
+</file>
+
+<file path=ppt/slides/slide21.xml><?xml version="1.0" encoding="utf-8"?>
+<p:sld xmlns:a="http://schemas.openxmlformats.org/drawingml/2006/main" xmlns:r="http://schemas.openxmlformats.org/officeDocument/2006/relationships" xmlns:p="http://schemas.openxmlformats.org/presentationml/2006/main">
+  <p:cSld>
+    <p:spTree>
+      <p:nvGrpSpPr>
+        <p:cNvPr id="1" name=""/>
+        <p:cNvGrpSpPr/>
+        <p:nvPr/>
+      </p:nvGrpSpPr>
+      <p:grpSpPr>
+        <a:xfrm>
+          <a:off x="0" y="0"/>
+          <a:ext cx="0" cy="0"/>
+          <a:chOff x="0" y="0"/>
+          <a:chExt cx="0" cy="0"/>
+        </a:xfrm>
+      </p:grpSpPr>
+      <p:sp>
+        <p:nvSpPr>
+          <p:cNvPr id="2" name="Titre 1"/>
+          <p:cNvSpPr>
+            <a:spLocks noGrp="1"/>
+          </p:cNvSpPr>
+          <p:nvPr>
+            <p:ph type="title"/>
+          </p:nvPr>
+        </p:nvSpPr>
+        <p:spPr/>
+        <p:txBody>
+          <a:bodyPr/>
+          <a:lstStyle/>
+          <a:p>
+            <a:r>
+              <a:rPr lang="fr-FR" dirty="0"/>
               <a:t>Capteur de pression I2C</a:t>
             </a:r>
-            <a:endParaRPr lang="fr-FR" dirty="0"/>
           </a:p>
         </p:txBody>
       </p:sp>
@@ -5323,7 +5497,7 @@
           <a:lstStyle/>
           <a:p>
             <a:r>
-              <a:rPr lang="fr-FR" dirty="0" smtClean="0"/>
+              <a:rPr lang="fr-FR" dirty="0"/>
               <a:t>BM280 est un capteur de pression I2C</a:t>
             </a:r>
           </a:p>
@@ -5331,17 +5505,13 @@
             <a:pPr lvl="1"/>
             <a:r>
               <a:rPr lang="fr-FR" dirty="0"/>
-              <a:t>Librairie </a:t>
-            </a:r>
-            <a:r>
-              <a:rPr lang="fr-FR" dirty="0" smtClean="0"/>
-              <a:t>Grove_BME280, inclut </a:t>
-            </a:r>
-            <a:r>
-              <a:rPr lang="fr-FR" dirty="0" err="1" smtClean="0"/>
+              <a:t>Librairie Grove_BME280, inclut </a:t>
+            </a:r>
+            <a:r>
+              <a:rPr lang="fr-FR" dirty="0" err="1"/>
               <a:t>Wire</a:t>
             </a:r>
-            <a:endParaRPr lang="fr-FR" dirty="0" smtClean="0"/>
+            <a:endParaRPr lang="fr-FR" dirty="0"/>
           </a:p>
           <a:p>
             <a:endParaRPr lang="fr-FR" dirty="0"/>
@@ -5404,17 +5574,10 @@
   <p:clrMapOvr>
     <a:masterClrMapping/>
   </p:clrMapOvr>
-  <p:timing>
-    <p:tnLst>
-      <p:par>
-        <p:cTn id="1" dur="indefinite" restart="never" nodeType="tmRoot"/>
-      </p:par>
-    </p:tnLst>
-  </p:timing>
 </p:sld>
 </file>
 
-<file path=ppt/slides/slide2.xml><?xml version="1.0" encoding="utf-8"?>
+<file path=ppt/slides/slide22.xml><?xml version="1.0" encoding="utf-8"?>
 <p:sld xmlns:a="http://schemas.openxmlformats.org/drawingml/2006/main" xmlns:r="http://schemas.openxmlformats.org/officeDocument/2006/relationships" xmlns:p="http://schemas.openxmlformats.org/presentationml/2006/main">
   <p:cSld>
     <p:spTree>
@@ -5447,10 +5610,9 @@
           <a:lstStyle/>
           <a:p>
             <a:r>
-              <a:rPr lang="fr-FR" dirty="0" smtClean="0"/>
-              <a:t>C++</a:t>
-            </a:r>
-            <a:endParaRPr lang="fr-FR" dirty="0"/>
+              <a:rPr lang="fr-FR" dirty="0"/>
+              <a:t>Ecran LCD</a:t>
+            </a:r>
           </a:p>
         </p:txBody>
       </p:sp>
@@ -5470,101 +5632,6 @@
           <a:lstStyle/>
           <a:p>
             <a:r>
-              <a:rPr lang="fr-FR" dirty="0" smtClean="0"/>
-              <a:t>C++ est un langage de programmation orienté objet</a:t>
-            </a:r>
-          </a:p>
-          <a:p>
-            <a:r>
-              <a:rPr lang="fr-FR" dirty="0" err="1" smtClean="0"/>
-              <a:t>Arduino</a:t>
-            </a:r>
-            <a:r>
-              <a:rPr lang="fr-FR" dirty="0" smtClean="0"/>
-              <a:t> est compatible C++ 11 et GCC</a:t>
-            </a:r>
-          </a:p>
-          <a:p>
-            <a:endParaRPr lang="fr-FR" dirty="0"/>
-          </a:p>
-        </p:txBody>
-      </p:sp>
-    </p:spTree>
-    <p:extLst>
-      <p:ext uri="{BB962C8B-B14F-4D97-AF65-F5344CB8AC3E}">
-        <p14:creationId xmlns:p14="http://schemas.microsoft.com/office/powerpoint/2010/main" val="351907945"/>
-      </p:ext>
-    </p:extLst>
-  </p:cSld>
-  <p:clrMapOvr>
-    <a:masterClrMapping/>
-  </p:clrMapOvr>
-  <p:timing>
-    <p:tnLst>
-      <p:par>
-        <p:cTn id="1" dur="indefinite" restart="never" nodeType="tmRoot"/>
-      </p:par>
-    </p:tnLst>
-  </p:timing>
-</p:sld>
-</file>
-
-<file path=ppt/slides/slide20.xml><?xml version="1.0" encoding="utf-8"?>
-<p:sld xmlns:a="http://schemas.openxmlformats.org/drawingml/2006/main" xmlns:r="http://schemas.openxmlformats.org/officeDocument/2006/relationships" xmlns:p="http://schemas.openxmlformats.org/presentationml/2006/main">
-  <p:cSld>
-    <p:spTree>
-      <p:nvGrpSpPr>
-        <p:cNvPr id="1" name=""/>
-        <p:cNvGrpSpPr/>
-        <p:nvPr/>
-      </p:nvGrpSpPr>
-      <p:grpSpPr>
-        <a:xfrm>
-          <a:off x="0" y="0"/>
-          <a:ext cx="0" cy="0"/>
-          <a:chOff x="0" y="0"/>
-          <a:chExt cx="0" cy="0"/>
-        </a:xfrm>
-      </p:grpSpPr>
-      <p:sp>
-        <p:nvSpPr>
-          <p:cNvPr id="2" name="Titre 1"/>
-          <p:cNvSpPr>
-            <a:spLocks noGrp="1"/>
-          </p:cNvSpPr>
-          <p:nvPr>
-            <p:ph type="title"/>
-          </p:nvPr>
-        </p:nvSpPr>
-        <p:spPr/>
-        <p:txBody>
-          <a:bodyPr/>
-          <a:lstStyle/>
-          <a:p>
-            <a:r>
-              <a:rPr lang="fr-FR" dirty="0" smtClean="0"/>
-              <a:t>Ecran LCD</a:t>
-            </a:r>
-            <a:endParaRPr lang="fr-FR" dirty="0"/>
-          </a:p>
-        </p:txBody>
-      </p:sp>
-      <p:sp>
-        <p:nvSpPr>
-          <p:cNvPr id="3" name="Espace réservé du contenu 2"/>
-          <p:cNvSpPr>
-            <a:spLocks noGrp="1"/>
-          </p:cNvSpPr>
-          <p:nvPr>
-            <p:ph idx="1"/>
-          </p:nvPr>
-        </p:nvSpPr>
-        <p:spPr/>
-        <p:txBody>
-          <a:bodyPr/>
-          <a:lstStyle/>
-          <a:p>
-            <a:r>
               <a:rPr lang="fr-FR" dirty="0"/>
               <a:t>#</a:t>
             </a:r>
@@ -5609,11 +5676,11 @@
           </a:p>
           <a:p>
             <a:r>
-              <a:rPr lang="fr-FR" dirty="0" err="1" smtClean="0"/>
+              <a:rPr lang="fr-FR" dirty="0" err="1"/>
               <a:t>rgb_lcd</a:t>
             </a:r>
             <a:r>
-              <a:rPr lang="fr-FR" dirty="0" smtClean="0"/>
+              <a:rPr lang="fr-FR" dirty="0"/>
               <a:t> </a:t>
             </a:r>
             <a:r>
@@ -5621,7 +5688,7 @@
               <a:t>lcd</a:t>
             </a:r>
             <a:r>
-              <a:rPr lang="fr-FR" dirty="0" smtClean="0"/>
+              <a:rPr lang="fr-FR" dirty="0"/>
               <a:t>;</a:t>
             </a:r>
           </a:p>
@@ -5637,20 +5704,12 @@
           </a:p>
           <a:p>
             <a:r>
-              <a:rPr lang="fr-FR" dirty="0" err="1" smtClean="0"/>
+              <a:rPr lang="fr-FR" dirty="0" err="1"/>
               <a:t>lcd.setRGB</a:t>
             </a:r>
             <a:r>
-              <a:rPr lang="fr-FR" dirty="0" smtClean="0"/>
-              <a:t>(0</a:t>
-            </a:r>
-            <a:r>
-              <a:rPr lang="fr-FR" dirty="0"/>
-              <a:t>, 0, 255</a:t>
-            </a:r>
-            <a:r>
-              <a:rPr lang="fr-FR" dirty="0" smtClean="0"/>
-              <a:t>);</a:t>
+              <a:rPr lang="fr-FR" dirty="0"/>
+              <a:t>(0, 0, 255);</a:t>
             </a:r>
           </a:p>
           <a:p>
@@ -5659,10 +5718,9 @@
               <a:t>lcd.print</a:t>
             </a:r>
             <a:r>
-              <a:rPr lang="fr-FR" dirty="0" smtClean="0"/>
+              <a:rPr lang="fr-FR" dirty="0"/>
               <a:t>("Hello World!");</a:t>
             </a:r>
-            <a:endParaRPr lang="fr-FR" dirty="0"/>
           </a:p>
         </p:txBody>
       </p:sp>
@@ -5698,13 +5756,6 @@
   <p:clrMapOvr>
     <a:masterClrMapping/>
   </p:clrMapOvr>
-  <p:timing>
-    <p:tnLst>
-      <p:par>
-        <p:cTn id="1" dur="indefinite" restart="never" nodeType="tmRoot"/>
-      </p:par>
-    </p:tnLst>
-  </p:timing>
 </p:sld>
 </file>
 
@@ -5741,14 +5792,13 @@
           <a:lstStyle/>
           <a:p>
             <a:r>
-              <a:rPr lang="fr-FR" dirty="0" err="1" smtClean="0"/>
+              <a:rPr lang="fr-FR" dirty="0" err="1"/>
               <a:t>Arduino</a:t>
             </a:r>
             <a:r>
-              <a:rPr lang="fr-FR" dirty="0" smtClean="0"/>
+              <a:rPr lang="fr-FR" dirty="0"/>
               <a:t> Studio</a:t>
             </a:r>
-            <a:endParaRPr lang="fr-FR" dirty="0"/>
           </a:p>
         </p:txBody>
       </p:sp>
@@ -5768,11 +5818,11 @@
           <a:lstStyle/>
           <a:p>
             <a:r>
-              <a:rPr lang="fr-FR" dirty="0" smtClean="0"/>
+              <a:rPr lang="fr-FR" dirty="0"/>
               <a:t>IDE </a:t>
             </a:r>
             <a:r>
-              <a:rPr lang="fr-FR" dirty="0" err="1" smtClean="0"/>
+              <a:rPr lang="fr-FR" dirty="0" err="1"/>
               <a:t>Arduino</a:t>
             </a:r>
             <a:endParaRPr lang="fr-FR" dirty="0"/>
@@ -5835,13 +5885,6 @@
   <p:clrMapOvr>
     <a:masterClrMapping/>
   </p:clrMapOvr>
-  <p:timing>
-    <p:tnLst>
-      <p:par>
-        <p:cTn id="1" dur="indefinite" restart="never" nodeType="tmRoot"/>
-      </p:par>
-    </p:tnLst>
-  </p:timing>
 </p:sld>
 </file>
 
@@ -5878,14 +5921,13 @@
           <a:lstStyle/>
           <a:p>
             <a:r>
-              <a:rPr lang="fr-FR" dirty="0" err="1" smtClean="0"/>
+              <a:rPr lang="fr-FR" dirty="0" err="1"/>
               <a:t>Arduino</a:t>
             </a:r>
             <a:r>
-              <a:rPr lang="fr-FR" dirty="0" smtClean="0"/>
+              <a:rPr lang="fr-FR" dirty="0"/>
               <a:t> Studio</a:t>
             </a:r>
-            <a:endParaRPr lang="fr-FR" dirty="0"/>
           </a:p>
         </p:txBody>
       </p:sp>
@@ -5905,22 +5947,15 @@
           <a:lstStyle/>
           <a:p>
             <a:r>
-              <a:rPr lang="fr-FR" dirty="0" smtClean="0"/>
+              <a:rPr lang="fr-FR" dirty="0"/>
               <a:t>Présentation de l'outil</a:t>
             </a:r>
           </a:p>
           <a:p>
             <a:r>
-              <a:rPr lang="fr-FR" dirty="0" smtClean="0"/>
-              <a:t>Menu Tools</a:t>
-            </a:r>
-          </a:p>
-          <a:p>
-            <a:r>
-              <a:rPr lang="fr-FR" dirty="0" smtClean="0"/>
-              <a:t>Mon premier programme</a:t>
-            </a:r>
-            <a:endParaRPr lang="fr-FR" dirty="0"/>
+              <a:rPr lang="fr-FR" dirty="0"/>
+              <a:t>Principe de la compilation</a:t>
+            </a:r>
           </a:p>
         </p:txBody>
       </p:sp>
@@ -5978,13 +6013,6 @@
   <p:clrMapOvr>
     <a:masterClrMapping/>
   </p:clrMapOvr>
-  <p:timing>
-    <p:tnLst>
-      <p:par>
-        <p:cTn id="1" dur="indefinite" restart="never" nodeType="tmRoot"/>
-      </p:par>
-    </p:tnLst>
-  </p:timing>
 </p:sld>
 </file>
 
@@ -6007,7 +6035,13 @@
       </p:grpSpPr>
       <p:sp>
         <p:nvSpPr>
-          <p:cNvPr id="2" name="Titre 1"/>
+          <p:cNvPr id="2" name="Titre 1">
+            <a:extLst>
+              <a:ext uri="{FF2B5EF4-FFF2-40B4-BE49-F238E27FC236}">
+                <a16:creationId xmlns:a16="http://schemas.microsoft.com/office/drawing/2014/main" id="{FEB29759-4A30-4B5C-BE40-4096E8F91D18}"/>
+              </a:ext>
+            </a:extLst>
+          </p:cNvPr>
           <p:cNvSpPr>
             <a:spLocks noGrp="1"/>
           </p:cNvSpPr>
@@ -6021,24 +6055,21 @@
           <a:lstStyle/>
           <a:p>
             <a:r>
-              <a:rPr lang="fr-FR" dirty="0" smtClean="0"/>
-              <a:t>setup() et </a:t>
-            </a:r>
-            <a:r>
-              <a:rPr lang="fr-FR" dirty="0" err="1" smtClean="0"/>
-              <a:t>loop</a:t>
-            </a:r>
-            <a:r>
-              <a:rPr lang="fr-FR" dirty="0" smtClean="0"/>
-              <a:t>()</a:t>
-            </a:r>
-            <a:endParaRPr lang="fr-FR" dirty="0"/>
-          </a:p>
-        </p:txBody>
-      </p:sp>
-      <p:sp>
-        <p:nvSpPr>
-          <p:cNvPr id="3" name="Espace réservé du contenu 2"/>
+              <a:rPr lang="fr-FR" dirty="0"/>
+              <a:t>Outils</a:t>
+            </a:r>
+          </a:p>
+        </p:txBody>
+      </p:sp>
+      <p:sp>
+        <p:nvSpPr>
+          <p:cNvPr id="3" name="Espace réservé du contenu 2">
+            <a:extLst>
+              <a:ext uri="{FF2B5EF4-FFF2-40B4-BE49-F238E27FC236}">
+                <a16:creationId xmlns:a16="http://schemas.microsoft.com/office/drawing/2014/main" id="{53914B40-ED69-4817-8621-914C756D4C03}"/>
+              </a:ext>
+            </a:extLst>
+          </p:cNvPr>
           <p:cNvSpPr>
             <a:spLocks noGrp="1"/>
           </p:cNvSpPr>
@@ -6052,55 +6083,50 @@
           <a:lstStyle/>
           <a:p>
             <a:r>
-              <a:rPr lang="fr-FR" dirty="0" smtClean="0"/>
-              <a:t>setup() est la première fonction appelée lors du démarrage de l'</a:t>
-            </a:r>
-            <a:r>
-              <a:rPr lang="fr-FR" dirty="0" err="1" smtClean="0"/>
-              <a:t>Arduino</a:t>
-            </a:r>
-            <a:endParaRPr lang="fr-FR" dirty="0" smtClean="0"/>
-          </a:p>
-          <a:p>
-            <a:r>
-              <a:rPr lang="fr-FR" dirty="0" err="1" smtClean="0"/>
-              <a:t>loop</a:t>
-            </a:r>
-            <a:r>
-              <a:rPr lang="fr-FR" dirty="0" smtClean="0"/>
-              <a:t>()</a:t>
-            </a:r>
-            <a:r>
-              <a:rPr lang="fr-FR" dirty="0"/>
-              <a:t> </a:t>
-            </a:r>
-            <a:r>
-              <a:rPr lang="fr-FR" dirty="0" smtClean="0"/>
-              <a:t>est appelé en boucle après setup()</a:t>
-            </a:r>
-          </a:p>
-          <a:p>
-            <a:endParaRPr lang="fr-FR" dirty="0" smtClean="0"/>
+              <a:rPr lang="fr-FR" dirty="0"/>
+              <a:t>Permet de débugger l'application</a:t>
+            </a:r>
+          </a:p>
+          <a:p>
+            <a:r>
+              <a:rPr lang="fr-FR" dirty="0"/>
+              <a:t>Moniteur série</a:t>
+            </a:r>
+          </a:p>
+          <a:p>
+            <a:r>
+              <a:rPr lang="fr-FR" dirty="0"/>
+              <a:t>Port</a:t>
+            </a:r>
+          </a:p>
+          <a:p>
+            <a:r>
+              <a:rPr lang="fr-FR" dirty="0"/>
+              <a:t>Type de carte</a:t>
+            </a:r>
+          </a:p>
+          <a:p>
+            <a:r>
+              <a:rPr lang="fr-FR" dirty="0" err="1"/>
+              <a:t>Téléversage</a:t>
+            </a:r>
+            <a:endParaRPr lang="fr-FR" dirty="0"/>
+          </a:p>
+          <a:p>
+            <a:endParaRPr lang="fr-FR" dirty="0"/>
           </a:p>
         </p:txBody>
       </p:sp>
     </p:spTree>
     <p:extLst>
       <p:ext uri="{BB962C8B-B14F-4D97-AF65-F5344CB8AC3E}">
-        <p14:creationId xmlns:p14="http://schemas.microsoft.com/office/powerpoint/2010/main" val="3654056196"/>
+        <p14:creationId xmlns:p14="http://schemas.microsoft.com/office/powerpoint/2010/main" val="2642705028"/>
       </p:ext>
     </p:extLst>
   </p:cSld>
   <p:clrMapOvr>
     <a:masterClrMapping/>
   </p:clrMapOvr>
-  <p:timing>
-    <p:tnLst>
-      <p:par>
-        <p:cTn id="1" dur="indefinite" restart="never" nodeType="tmRoot"/>
-      </p:par>
-    </p:tnLst>
-  </p:timing>
 </p:sld>
 </file>
 
@@ -6137,10 +6163,9 @@
           <a:lstStyle/>
           <a:p>
             <a:r>
-              <a:rPr lang="fr-FR" dirty="0" smtClean="0"/>
+              <a:rPr lang="fr-FR" dirty="0"/>
               <a:t>Hello World!</a:t>
             </a:r>
-            <a:endParaRPr lang="fr-FR" dirty="0"/>
           </a:p>
         </p:txBody>
       </p:sp>
@@ -6160,21 +6185,21 @@
           <a:lstStyle/>
           <a:p>
             <a:r>
-              <a:rPr lang="fr-FR" dirty="0" smtClean="0"/>
+              <a:rPr lang="fr-FR" dirty="0"/>
               <a:t>Mon premier programme</a:t>
             </a:r>
           </a:p>
           <a:p>
             <a:r>
-              <a:rPr lang="fr-FR" dirty="0" smtClean="0"/>
+              <a:rPr lang="fr-FR" dirty="0"/>
               <a:t>Permet de communiquer dans un premier temps avec </a:t>
             </a:r>
             <a:r>
-              <a:rPr lang="fr-FR" dirty="0" err="1" smtClean="0"/>
+              <a:rPr lang="fr-FR" dirty="0" err="1"/>
               <a:t>Arduino</a:t>
             </a:r>
             <a:r>
-              <a:rPr lang="fr-FR" dirty="0" smtClean="0"/>
+              <a:rPr lang="fr-FR" dirty="0"/>
               <a:t> Studio par le port série</a:t>
             </a:r>
           </a:p>
@@ -6186,24 +6211,19 @@
             </a:r>
             <a:r>
               <a:rPr lang="fr-FR" dirty="0"/>
-              <a:t>(9600</a:t>
-            </a:r>
-            <a:r>
-              <a:rPr lang="fr-FR" dirty="0" smtClean="0"/>
-              <a:t>);</a:t>
+              <a:t>(9600);</a:t>
             </a:r>
           </a:p>
           <a:p>
             <a:pPr lvl="1"/>
             <a:r>
-              <a:rPr lang="fr-FR" dirty="0" err="1" smtClean="0"/>
+              <a:rPr lang="fr-FR" dirty="0" err="1"/>
               <a:t>Serial.println</a:t>
             </a:r>
             <a:r>
-              <a:rPr lang="fr-FR" dirty="0" smtClean="0"/>
+              <a:rPr lang="fr-FR" dirty="0"/>
               <a:t>("Hello World!")</a:t>
             </a:r>
-            <a:endParaRPr lang="fr-FR" dirty="0"/>
           </a:p>
         </p:txBody>
       </p:sp>
@@ -6239,13 +6259,6 @@
   <p:clrMapOvr>
     <a:masterClrMapping/>
   </p:clrMapOvr>
-  <p:timing>
-    <p:tnLst>
-      <p:par>
-        <p:cTn id="1" dur="indefinite" restart="never" nodeType="tmRoot"/>
-      </p:par>
-    </p:tnLst>
-  </p:timing>
 </p:sld>
 </file>
 
@@ -6282,10 +6295,17 @@
           <a:lstStyle/>
           <a:p>
             <a:r>
-              <a:rPr lang="fr-FR" dirty="0" err="1" smtClean="0"/>
-              <a:t>Blink</a:t>
-            </a:r>
-            <a:endParaRPr lang="fr-FR" dirty="0"/>
+              <a:rPr lang="fr-FR" dirty="0"/>
+              <a:t>setup() et </a:t>
+            </a:r>
+            <a:r>
+              <a:rPr lang="fr-FR" dirty="0" err="1"/>
+              <a:t>loop</a:t>
+            </a:r>
+            <a:r>
+              <a:rPr lang="fr-FR" dirty="0"/>
+              <a:t>()</a:t>
+            </a:r>
           </a:p>
         </p:txBody>
       </p:sp>
@@ -6305,16 +6325,39 @@
           <a:lstStyle/>
           <a:p>
             <a:r>
-              <a:rPr lang="fr-FR" dirty="0" smtClean="0"/>
-              <a:t>Le premier exemple</a:t>
-            </a:r>
+              <a:rPr lang="fr-FR" dirty="0"/>
+              <a:t>setup() est la première fonction appelée lors du démarrage de l'</a:t>
+            </a:r>
+            <a:r>
+              <a:rPr lang="fr-FR" dirty="0" err="1"/>
+              <a:t>Arduino</a:t>
+            </a:r>
+            <a:endParaRPr lang="fr-FR" dirty="0"/>
+          </a:p>
+          <a:p>
+            <a:r>
+              <a:rPr lang="fr-FR" dirty="0" err="1"/>
+              <a:t>loop</a:t>
+            </a:r>
+            <a:r>
+              <a:rPr lang="fr-FR" dirty="0"/>
+              <a:t>() est appelé en boucle après setup()</a:t>
+            </a:r>
+          </a:p>
+          <a:p>
             <a:endParaRPr lang="fr-FR" dirty="0"/>
           </a:p>
         </p:txBody>
       </p:sp>
       <p:pic>
         <p:nvPicPr>
-          <p:cNvPr id="4" name="Image 3"/>
+          <p:cNvPr id="4" name="Image 3" descr="Une image contenant texte&#10;&#10;Description générée automatiquement">
+            <a:extLst>
+              <a:ext uri="{FF2B5EF4-FFF2-40B4-BE49-F238E27FC236}">
+                <a16:creationId xmlns:a16="http://schemas.microsoft.com/office/drawing/2014/main" id="{5484ED63-4820-4C8C-9FB6-DFF5AF88D058}"/>
+              </a:ext>
+            </a:extLst>
+          </p:cNvPr>
           <p:cNvPicPr>
             <a:picLocks noChangeAspect="1"/>
           </p:cNvPicPr>
@@ -6328,32 +6371,8 @@
         </p:blipFill>
         <p:spPr>
           <a:xfrm>
-            <a:off x="23920" y="2060848"/>
-            <a:ext cx="4466469" cy="4032448"/>
-          </a:xfrm>
-          <a:prstGeom prst="rect">
-            <a:avLst/>
-          </a:prstGeom>
-        </p:spPr>
-      </p:pic>
-      <p:pic>
-        <p:nvPicPr>
-          <p:cNvPr id="5" name="Image 4"/>
-          <p:cNvPicPr>
-            <a:picLocks noChangeAspect="1"/>
-          </p:cNvPicPr>
-          <p:nvPr/>
-        </p:nvPicPr>
-        <p:blipFill>
-          <a:blip r:embed="rId3"/>
-          <a:stretch>
-            <a:fillRect/>
-          </a:stretch>
-        </p:blipFill>
-        <p:spPr>
-          <a:xfrm>
-            <a:off x="4645981" y="2636912"/>
-            <a:ext cx="3529406" cy="2880320"/>
+            <a:off x="2699792" y="3540224"/>
+            <a:ext cx="4248150" cy="1905000"/>
           </a:xfrm>
           <a:prstGeom prst="rect">
             <a:avLst/>
@@ -6363,20 +6382,13 @@
     </p:spTree>
     <p:extLst>
       <p:ext uri="{BB962C8B-B14F-4D97-AF65-F5344CB8AC3E}">
-        <p14:creationId xmlns:p14="http://schemas.microsoft.com/office/powerpoint/2010/main" val="175302928"/>
+        <p14:creationId xmlns:p14="http://schemas.microsoft.com/office/powerpoint/2010/main" val="3654056196"/>
       </p:ext>
     </p:extLst>
   </p:cSld>
   <p:clrMapOvr>
     <a:masterClrMapping/>
   </p:clrMapOvr>
-  <p:timing>
-    <p:tnLst>
-      <p:par>
-        <p:cTn id="1" dur="indefinite" restart="never" nodeType="tmRoot"/>
-      </p:par>
-    </p:tnLst>
-  </p:timing>
 </p:sld>
 </file>
 
@@ -6399,7 +6411,13 @@
       </p:grpSpPr>
       <p:sp>
         <p:nvSpPr>
-          <p:cNvPr id="2" name="Titre 1"/>
+          <p:cNvPr id="2" name="Titre 1">
+            <a:extLst>
+              <a:ext uri="{FF2B5EF4-FFF2-40B4-BE49-F238E27FC236}">
+                <a16:creationId xmlns:a16="http://schemas.microsoft.com/office/drawing/2014/main" id="{83EFFEFF-774D-4733-9B4A-D8CC1CE9CE05}"/>
+              </a:ext>
+            </a:extLst>
+          </p:cNvPr>
           <p:cNvSpPr>
             <a:spLocks noGrp="1"/>
           </p:cNvSpPr>
@@ -6413,20 +6431,21 @@
           <a:lstStyle/>
           <a:p>
             <a:r>
-              <a:rPr lang="fr-FR" dirty="0" err="1" smtClean="0"/>
-              <a:t>pinMode</a:t>
-            </a:r>
-            <a:r>
-              <a:rPr lang="fr-FR" dirty="0" smtClean="0"/>
-              <a:t>()</a:t>
-            </a:r>
-            <a:endParaRPr lang="fr-FR" dirty="0"/>
-          </a:p>
-        </p:txBody>
-      </p:sp>
-      <p:sp>
-        <p:nvSpPr>
-          <p:cNvPr id="3" name="Espace réservé du contenu 2"/>
+              <a:rPr lang="fr-FR" dirty="0"/>
+              <a:t>Loop</a:t>
+            </a:r>
+          </a:p>
+        </p:txBody>
+      </p:sp>
+      <p:sp>
+        <p:nvSpPr>
+          <p:cNvPr id="3" name="Espace réservé du contenu 2">
+            <a:extLst>
+              <a:ext uri="{FF2B5EF4-FFF2-40B4-BE49-F238E27FC236}">
+                <a16:creationId xmlns:a16="http://schemas.microsoft.com/office/drawing/2014/main" id="{EC43FB12-7E3D-4956-9A1C-3A8FD4021B3A}"/>
+              </a:ext>
+            </a:extLst>
+          </p:cNvPr>
           <p:cNvSpPr>
             <a:spLocks noGrp="1"/>
           </p:cNvSpPr>
@@ -6440,71 +6459,85 @@
           <a:lstStyle/>
           <a:p>
             <a:r>
-              <a:rPr lang="fr-FR" dirty="0" err="1" smtClean="0"/>
-              <a:t>pinMode</a:t>
-            </a:r>
-            <a:r>
-              <a:rPr lang="fr-FR" dirty="0" smtClean="0"/>
-              <a:t>() permet de définir un </a:t>
-            </a:r>
-            <a:r>
-              <a:rPr lang="fr-FR" dirty="0" smtClean="0"/>
-              <a:t>port</a:t>
-            </a:r>
-            <a:endParaRPr lang="fr-FR" dirty="0" smtClean="0"/>
+              <a:rPr lang="fr-FR" dirty="0"/>
+              <a:t>La fonction </a:t>
+            </a:r>
+            <a:r>
+              <a:rPr lang="fr-FR" dirty="0" err="1"/>
+              <a:t>loop</a:t>
+            </a:r>
+            <a:r>
+              <a:rPr lang="fr-FR" dirty="0"/>
+              <a:t>() est exécuté une infinité de fois</a:t>
+            </a:r>
           </a:p>
           <a:p>
             <a:pPr lvl="1"/>
             <a:r>
-              <a:rPr lang="fr-FR" dirty="0" err="1" smtClean="0"/>
-              <a:t>pinMode</a:t>
-            </a:r>
-            <a:r>
-              <a:rPr lang="fr-FR" dirty="0" smtClean="0"/>
-              <a:t>(8, OUTPUT)</a:t>
+              <a:rPr lang="fr-FR" dirty="0"/>
+              <a:t>setup()</a:t>
             </a:r>
           </a:p>
           <a:p>
             <a:pPr lvl="1"/>
             <a:r>
-              <a:rPr lang="fr-FR" dirty="0" err="1" smtClean="0"/>
-              <a:t>pinMode</a:t>
-            </a:r>
-            <a:r>
-              <a:rPr lang="fr-FR" dirty="0" smtClean="0"/>
-              <a:t>(7, INPUT)</a:t>
+              <a:rPr lang="fr-FR" dirty="0" err="1"/>
+              <a:t>loop</a:t>
+            </a:r>
+            <a:r>
+              <a:rPr lang="fr-FR" dirty="0"/>
+              <a:t>()</a:t>
             </a:r>
           </a:p>
           <a:p>
             <a:pPr lvl="1"/>
             <a:r>
-              <a:rPr lang="fr-FR" dirty="0" err="1" smtClean="0"/>
-              <a:t>pinMode</a:t>
-            </a:r>
-            <a:r>
-              <a:rPr lang="fr-FR" dirty="0" smtClean="0"/>
-              <a:t>(LED_BUILTIN, OUTPUT)</a:t>
-            </a:r>
+              <a:rPr lang="fr-FR" dirty="0" err="1"/>
+              <a:t>loop</a:t>
+            </a:r>
+            <a:r>
+              <a:rPr lang="fr-FR" dirty="0"/>
+              <a:t>() … </a:t>
+            </a:r>
+            <a:r>
+              <a:rPr lang="fr-FR" dirty="0" err="1"/>
+              <a:t>loop</a:t>
+            </a:r>
+            <a:r>
+              <a:rPr lang="fr-FR" dirty="0"/>
+              <a:t>()</a:t>
+            </a:r>
+          </a:p>
+          <a:p>
+            <a:r>
+              <a:rPr lang="fr-FR" dirty="0"/>
+              <a:t>L'intelligence du code se trouve dans cette fonction</a:t>
+            </a:r>
+          </a:p>
+          <a:p>
+            <a:pPr lvl="1"/>
+            <a:r>
+              <a:rPr lang="fr-FR" dirty="0"/>
+              <a:t>Attention c'est très rapide, nécessité d'un </a:t>
+            </a:r>
+            <a:r>
+              <a:rPr lang="fr-FR" dirty="0" err="1"/>
+              <a:t>delay</a:t>
+            </a:r>
+            <a:endParaRPr lang="fr-FR" dirty="0"/>
           </a:p>
         </p:txBody>
       </p:sp>
     </p:spTree>
     <p:extLst>
       <p:ext uri="{BB962C8B-B14F-4D97-AF65-F5344CB8AC3E}">
-        <p14:creationId xmlns:p14="http://schemas.microsoft.com/office/powerpoint/2010/main" val="2948737533"/>
+        <p14:creationId xmlns:p14="http://schemas.microsoft.com/office/powerpoint/2010/main" val="4204257017"/>
       </p:ext>
     </p:extLst>
   </p:cSld>
   <p:clrMapOvr>
     <a:masterClrMapping/>
   </p:clrMapOvr>
-  <p:timing>
-    <p:tnLst>
-      <p:par>
-        <p:cTn id="1" dur="indefinite" restart="never" nodeType="tmRoot"/>
-      </p:par>
-    </p:tnLst>
-  </p:timing>
 </p:sld>
 </file>
 
@@ -6541,22 +6574,13 @@
           <a:lstStyle/>
           <a:p>
             <a:r>
-              <a:rPr lang="fr-FR" dirty="0" err="1" smtClean="0"/>
-              <a:t>digitalRead</a:t>
-            </a:r>
-            <a:r>
-              <a:rPr lang="fr-FR" dirty="0"/>
-              <a:t> </a:t>
-            </a:r>
-            <a:r>
-              <a:rPr lang="fr-FR" dirty="0" smtClean="0"/>
-              <a:t>et </a:t>
-            </a:r>
-            <a:r>
-              <a:rPr lang="fr-FR" dirty="0" err="1" smtClean="0"/>
-              <a:t>digitalWrite</a:t>
-            </a:r>
-            <a:endParaRPr lang="fr-FR" dirty="0"/>
+              <a:rPr lang="fr-FR" dirty="0" err="1"/>
+              <a:t>delay</a:t>
+            </a:r>
+            <a:r>
+              <a:rPr lang="fr-FR" dirty="0"/>
+              <a:t>()</a:t>
+            </a:r>
           </a:p>
         </p:txBody>
       </p:sp>
@@ -6576,120 +6600,46 @@
           <a:lstStyle/>
           <a:p>
             <a:r>
-              <a:rPr lang="fr-FR" dirty="0" err="1" smtClean="0"/>
-              <a:t>digitalWrite</a:t>
-            </a:r>
-            <a:r>
-              <a:rPr lang="fr-FR" dirty="0" smtClean="0"/>
-              <a:t>(8, HIGH)</a:t>
+              <a:rPr lang="fr-FR" dirty="0" err="1"/>
+              <a:t>delay</a:t>
+            </a:r>
+            <a:r>
+              <a:rPr lang="fr-FR" dirty="0"/>
+              <a:t>() permet d'effectuer une pause en </a:t>
+            </a:r>
+            <a:r>
+              <a:rPr lang="fr-FR" dirty="0" err="1"/>
+              <a:t>miliseconde</a:t>
+            </a:r>
+            <a:endParaRPr lang="fr-FR" dirty="0"/>
+          </a:p>
+          <a:p>
+            <a:r>
+              <a:rPr lang="fr-FR" dirty="0" err="1"/>
+              <a:t>delay</a:t>
+            </a:r>
+            <a:r>
+              <a:rPr lang="fr-FR" dirty="0"/>
+              <a:t>(1000)</a:t>
             </a:r>
           </a:p>
           <a:p>
             <a:pPr lvl="1"/>
             <a:r>
-              <a:rPr lang="fr-FR" dirty="0" smtClean="0"/>
-              <a:t>Envoie 5V sur le port numérique 8</a:t>
+              <a:rPr lang="fr-FR" dirty="0"/>
+              <a:t>Pause de 1s</a:t>
             </a:r>
           </a:p>
           <a:p>
             <a:pPr lvl="1"/>
             <a:r>
-              <a:rPr lang="fr-FR" dirty="0" smtClean="0"/>
-              <a:t>Identique à </a:t>
+              <a:rPr lang="fr-FR" dirty="0"/>
+              <a:t>Quasi obligatoire dans un </a:t>
             </a:r>
             <a:r>
               <a:rPr lang="fr-FR" dirty="0" err="1"/>
-              <a:t>digitalWrite</a:t>
-            </a:r>
-            <a:r>
-              <a:rPr lang="fr-FR" dirty="0"/>
-              <a:t>(8, </a:t>
-            </a:r>
-            <a:r>
-              <a:rPr lang="fr-FR" dirty="0" smtClean="0"/>
-              <a:t>1)</a:t>
-            </a:r>
-          </a:p>
-          <a:p>
-            <a:r>
-              <a:rPr lang="fr-FR" dirty="0" err="1"/>
-              <a:t>digitalWrite</a:t>
-            </a:r>
-            <a:r>
-              <a:rPr lang="fr-FR" dirty="0"/>
-              <a:t>(8, </a:t>
-            </a:r>
-            <a:r>
-              <a:rPr lang="fr-FR" dirty="0" smtClean="0"/>
-              <a:t>LOW)</a:t>
-            </a:r>
-            <a:endParaRPr lang="fr-FR" dirty="0"/>
-          </a:p>
-          <a:p>
-            <a:pPr lvl="1"/>
-            <a:r>
-              <a:rPr lang="fr-FR" dirty="0"/>
-              <a:t>Envoie </a:t>
-            </a:r>
-            <a:r>
-              <a:rPr lang="fr-FR" dirty="0" smtClean="0"/>
-              <a:t>0V </a:t>
-            </a:r>
-            <a:r>
-              <a:rPr lang="fr-FR" dirty="0"/>
-              <a:t>sur le port numérique 8</a:t>
-            </a:r>
-          </a:p>
-          <a:p>
-            <a:pPr lvl="1"/>
-            <a:r>
-              <a:rPr lang="fr-FR" dirty="0"/>
-              <a:t>Identique à </a:t>
-            </a:r>
-            <a:r>
-              <a:rPr lang="fr-FR" dirty="0" err="1"/>
-              <a:t>digitalWrite</a:t>
-            </a:r>
-            <a:r>
-              <a:rPr lang="fr-FR" dirty="0"/>
-              <a:t>(8, </a:t>
-            </a:r>
-            <a:r>
-              <a:rPr lang="fr-FR" dirty="0" smtClean="0"/>
-              <a:t>0)</a:t>
-            </a:r>
-          </a:p>
-          <a:p>
-            <a:r>
-              <a:rPr lang="fr-FR" dirty="0" err="1" smtClean="0"/>
-              <a:t>boolean</a:t>
-            </a:r>
-            <a:r>
-              <a:rPr lang="fr-FR" dirty="0" smtClean="0"/>
-              <a:t> val = </a:t>
-            </a:r>
-            <a:r>
-              <a:rPr lang="fr-FR" dirty="0" err="1" smtClean="0"/>
-              <a:t>digitalRead</a:t>
-            </a:r>
-            <a:r>
-              <a:rPr lang="fr-FR" dirty="0" smtClean="0"/>
-              <a:t>(8)</a:t>
-            </a:r>
-          </a:p>
-          <a:p>
-            <a:pPr lvl="1"/>
-            <a:r>
-              <a:rPr lang="fr-FR" dirty="0" smtClean="0"/>
-              <a:t>Lit la valeur du port numérique 8</a:t>
-            </a:r>
-            <a:endParaRPr lang="fr-FR" dirty="0"/>
-          </a:p>
-          <a:p>
-            <a:endParaRPr lang="fr-FR" dirty="0"/>
-          </a:p>
-          <a:p>
-            <a:pPr lvl="1"/>
+              <a:t>loop</a:t>
+            </a:r>
             <a:endParaRPr lang="fr-FR" dirty="0"/>
           </a:p>
         </p:txBody>
@@ -6697,20 +6647,13 @@
     </p:spTree>
     <p:extLst>
       <p:ext uri="{BB962C8B-B14F-4D97-AF65-F5344CB8AC3E}">
-        <p14:creationId xmlns:p14="http://schemas.microsoft.com/office/powerpoint/2010/main" val="2734182509"/>
+        <p14:creationId xmlns:p14="http://schemas.microsoft.com/office/powerpoint/2010/main" val="370465397"/>
       </p:ext>
     </p:extLst>
   </p:cSld>
   <p:clrMapOvr>
     <a:masterClrMapping/>
   </p:clrMapOvr>
-  <p:timing>
-    <p:tnLst>
-      <p:par>
-        <p:cTn id="1" dur="indefinite" restart="never" nodeType="tmRoot"/>
-      </p:par>
-    </p:tnLst>
-  </p:timing>
 </p:sld>
 </file>
 

--- a/ppt/IoT04-ArduinoDev.pptx
+++ b/ppt/IoT04-ArduinoDev.pptx
@@ -6605,13 +6605,8 @@
             </a:r>
             <a:r>
               <a:rPr lang="fr-FR" dirty="0"/>
-              <a:t>() permet d'effectuer une pause en </a:t>
-            </a:r>
-            <a:r>
-              <a:rPr lang="fr-FR" dirty="0" err="1"/>
-              <a:t>miliseconde</a:t>
-            </a:r>
-            <a:endParaRPr lang="fr-FR" dirty="0"/>
+              <a:t>() permet d'effectuer une pause en milliseconde</a:t>
+            </a:r>
           </a:p>
           <a:p>
             <a:r>

--- a/ppt/IoT04-ArduinoDev.pptx
+++ b/ppt/IoT04-ArduinoDev.pptx
@@ -4466,8 +4466,16 @@
           <a:p>
             <a:r>
               <a:rPr lang="fr-FR" dirty="0"/>
-              <a:t>Les port analogiques permettent de lire et écrire dans un range [0..5]v convertit en 8 bits</a:t>
-            </a:r>
+              <a:t>Les port analogiques permettent de lire et écrire dans un range [0..5]v convertit en 8 à 16 bits suivant l'item</a:t>
+            </a:r>
+          </a:p>
+          <a:p>
+            <a:pPr lvl="1"/>
+            <a:r>
+              <a:rPr lang="fr-FR"/>
+              <a:t>Par exemple en 8 bits</a:t>
+            </a:r>
+            <a:endParaRPr lang="fr-FR" dirty="0"/>
           </a:p>
           <a:p>
             <a:pPr lvl="1"/>

--- a/ppt/IoT04-ArduinoDev.pptx
+++ b/ppt/IoT04-ArduinoDev.pptx
@@ -4466,22 +4466,21 @@
           <a:p>
             <a:r>
               <a:rPr lang="fr-FR" dirty="0"/>
-              <a:t>Les port analogiques permettent de lire et écrire dans un range [0..5]v convertit en 8 à 16 bits suivant l'item</a:t>
+              <a:t>Les port analogiques permettent de lire et écrire dans un range 16 bits</a:t>
             </a:r>
           </a:p>
           <a:p>
             <a:pPr lvl="1"/>
             <a:r>
-              <a:rPr lang="fr-FR"/>
-              <a:t>Par exemple en 8 bits</a:t>
-            </a:r>
-            <a:endParaRPr lang="fr-FR" dirty="0"/>
+              <a:rPr lang="fr-FR" dirty="0"/>
+              <a:t>Par exemple le potentiomètre est sur 10 bits</a:t>
+            </a:r>
           </a:p>
           <a:p>
             <a:pPr lvl="1"/>
             <a:r>
               <a:rPr lang="fr-FR" dirty="0"/>
-              <a:t>0v =&gt; 0, 5v =&gt; 255, 2.5v =&gt; 127</a:t>
+              <a:t>0 =&gt; 0°, 1023 =&gt; 300°, 512 =&gt; 150°</a:t>
             </a:r>
           </a:p>
           <a:p>
@@ -4495,6 +4494,13 @@
             <a:r>
               <a:rPr lang="fr-FR" dirty="0"/>
               <a:t>Les capteurs ont souvent une conversion linéaire</a:t>
+            </a:r>
+          </a:p>
+          <a:p>
+            <a:pPr lvl="1"/>
+            <a:r>
+              <a:rPr lang="fr-FR" dirty="0"/>
+              <a:t>Par exemple la température est sur 9 bits</a:t>
             </a:r>
           </a:p>
           <a:p>
@@ -4527,12 +4533,12 @@
           <a:p>
             <a:pPr lvl="1"/>
             <a:r>
-              <a:rPr lang="fr-FR" dirty="0" err="1"/>
-              <a:t>Ecritune</a:t>
-            </a:r>
-            <a:r>
-              <a:rPr lang="fr-FR" dirty="0"/>
-              <a:t> donnée analogique sur le pin analogique 1</a:t>
+              <a:rPr lang="fr-FR"/>
+              <a:t>Ecrit une </a:t>
+            </a:r>
+            <a:r>
+              <a:rPr lang="fr-FR" dirty="0"/>
+              <a:t>donnée analogique sur le pin analogique 1</a:t>
             </a:r>
           </a:p>
           <a:p>
@@ -5273,12 +5279,43 @@
           </a:p>
           <a:p>
             <a:r>
+              <a:rPr lang="fr-FR" dirty="0"/>
+              <a:t>Arduino est compatible C++ 11 et GCC</a:t>
+            </a:r>
+          </a:p>
+          <a:p>
+            <a:r>
+              <a:rPr lang="fr-FR" dirty="0"/>
+              <a:t>C++ 16 bits</a:t>
+            </a:r>
+          </a:p>
+          <a:p>
+            <a:pPr lvl="1"/>
+            <a:r>
+              <a:rPr lang="fr-FR" dirty="0"/>
+              <a:t>Convertit en 8 bits</a:t>
+            </a:r>
+          </a:p>
+          <a:p>
+            <a:pPr lvl="1"/>
+            <a:r>
               <a:rPr lang="fr-FR" dirty="0" err="1"/>
-              <a:t>Arduino</a:t>
-            </a:r>
-            <a:r>
-              <a:rPr lang="fr-FR" dirty="0"/>
-              <a:t> est compatible C++ 11 et GCC</a:t>
+              <a:t>int</a:t>
+            </a:r>
+            <a:r>
+              <a:rPr lang="fr-FR" dirty="0"/>
+              <a:t> € [-32 767 .. 32768]</a:t>
+            </a:r>
+          </a:p>
+          <a:p>
+            <a:pPr lvl="1"/>
+            <a:r>
+              <a:rPr lang="fr-FR" dirty="0" err="1"/>
+              <a:t>uint</a:t>
+            </a:r>
+            <a:r>
+              <a:rPr lang="fr-FR" dirty="0"/>
+              <a:t> &lt; 65536</a:t>
             </a:r>
           </a:p>
           <a:p>

--- a/ppt/IoT04-ArduinoDev.pptx
+++ b/ppt/IoT04-ArduinoDev.pptx
@@ -5,10 +5,10 @@
     <p:sldMasterId id="2147483653" r:id="rId1"/>
   </p:sldMasterIdLst>
   <p:notesMasterIdLst>
-    <p:notesMasterId r:id="rId24"/>
+    <p:notesMasterId r:id="rId27"/>
   </p:notesMasterIdLst>
   <p:handoutMasterIdLst>
-    <p:handoutMasterId r:id="rId25"/>
+    <p:handoutMasterId r:id="rId28"/>
   </p:handoutMasterIdLst>
   <p:sldIdLst>
     <p:sldId id="264" r:id="rId2"/>
@@ -25,14 +25,17 @@
     <p:sldId id="272" r:id="rId13"/>
     <p:sldId id="286" r:id="rId14"/>
     <p:sldId id="274" r:id="rId15"/>
-    <p:sldId id="277" r:id="rId16"/>
-    <p:sldId id="278" r:id="rId17"/>
-    <p:sldId id="279" r:id="rId18"/>
-    <p:sldId id="280" r:id="rId19"/>
-    <p:sldId id="283" r:id="rId20"/>
-    <p:sldId id="282" r:id="rId21"/>
-    <p:sldId id="284" r:id="rId22"/>
-    <p:sldId id="285" r:id="rId23"/>
+    <p:sldId id="290" r:id="rId16"/>
+    <p:sldId id="291" r:id="rId17"/>
+    <p:sldId id="277" r:id="rId18"/>
+    <p:sldId id="278" r:id="rId19"/>
+    <p:sldId id="289" r:id="rId20"/>
+    <p:sldId id="279" r:id="rId21"/>
+    <p:sldId id="280" r:id="rId22"/>
+    <p:sldId id="283" r:id="rId23"/>
+    <p:sldId id="282" r:id="rId24"/>
+    <p:sldId id="284" r:id="rId25"/>
+    <p:sldId id="285" r:id="rId26"/>
   </p:sldIdLst>
   <p:sldSz cx="9144000" cy="6858000" type="screen4x3"/>
   <p:notesSz cx="6648450" cy="9782175"/>
@@ -3973,6 +3976,28 @@
             </a:r>
             <a:r>
               <a:rPr lang="fr-FR" dirty="0"/>
+              <a:t>(6, INPUT_PULLUP)</a:t>
+            </a:r>
+          </a:p>
+          <a:p>
+            <a:pPr lvl="1"/>
+            <a:r>
+              <a:rPr lang="fr-FR" dirty="0" err="1"/>
+              <a:t>pinMode</a:t>
+            </a:r>
+            <a:r>
+              <a:rPr lang="fr-FR" dirty="0"/>
+              <a:t>(5, INPUT_PULLDOWN)</a:t>
+            </a:r>
+          </a:p>
+          <a:p>
+            <a:pPr lvl="1"/>
+            <a:r>
+              <a:rPr lang="fr-FR" dirty="0" err="1"/>
+              <a:t>pinMode</a:t>
+            </a:r>
+            <a:r>
+              <a:rPr lang="fr-FR" dirty="0"/>
               <a:t>(LED_BUILTIN, OUTPUT)</a:t>
             </a:r>
           </a:p>
@@ -4429,7 +4454,13 @@
       </p:grpSpPr>
       <p:sp>
         <p:nvSpPr>
-          <p:cNvPr id="2" name="Titre 1"/>
+          <p:cNvPr id="2" name="Titre 1">
+            <a:extLst>
+              <a:ext uri="{FF2B5EF4-FFF2-40B4-BE49-F238E27FC236}">
+                <a16:creationId xmlns:a16="http://schemas.microsoft.com/office/drawing/2014/main" id="{067C8ADA-915D-65F8-4995-50D4287554DA}"/>
+              </a:ext>
+            </a:extLst>
+          </p:cNvPr>
           <p:cNvSpPr>
             <a:spLocks noGrp="1"/>
           </p:cNvSpPr>
@@ -4444,14 +4475,20 @@
           <a:p>
             <a:r>
               <a:rPr lang="fr-FR" dirty="0"/>
-              <a:t>Lecture Analogique</a:t>
-            </a:r>
-          </a:p>
-        </p:txBody>
-      </p:sp>
-      <p:sp>
-        <p:nvSpPr>
-          <p:cNvPr id="3" name="Espace réservé du contenu 2"/>
+              <a:t>TODO I/O</a:t>
+            </a:r>
+          </a:p>
+        </p:txBody>
+      </p:sp>
+      <p:sp>
+        <p:nvSpPr>
+          <p:cNvPr id="3" name="Espace réservé du contenu 2">
+            <a:extLst>
+              <a:ext uri="{FF2B5EF4-FFF2-40B4-BE49-F238E27FC236}">
+                <a16:creationId xmlns:a16="http://schemas.microsoft.com/office/drawing/2014/main" id="{E25EBCFE-C6A7-1B6F-3218-DB8DE074F2C0}"/>
+              </a:ext>
+            </a:extLst>
+          </p:cNvPr>
           <p:cNvSpPr>
             <a:spLocks noGrp="1"/>
           </p:cNvSpPr>
@@ -4466,14 +4503,221 @@
           <a:p>
             <a:r>
               <a:rPr lang="fr-FR" dirty="0"/>
-              <a:t>Les port analogiques permettent de lire et écrire dans un range 16 bits</a:t>
+              <a:t>https://www.locoduino.org/spip.php?article57</a:t>
+            </a:r>
+          </a:p>
+        </p:txBody>
+      </p:sp>
+    </p:spTree>
+    <p:extLst>
+      <p:ext uri="{BB962C8B-B14F-4D97-AF65-F5344CB8AC3E}">
+        <p14:creationId xmlns:p14="http://schemas.microsoft.com/office/powerpoint/2010/main" val="4130910013"/>
+      </p:ext>
+    </p:extLst>
+  </p:cSld>
+  <p:clrMapOvr>
+    <a:masterClrMapping/>
+  </p:clrMapOvr>
+</p:sld>
+</file>
+
+<file path=ppt/slides/slide16.xml><?xml version="1.0" encoding="utf-8"?>
+<p:sld xmlns:a="http://schemas.openxmlformats.org/drawingml/2006/main" xmlns:r="http://schemas.openxmlformats.org/officeDocument/2006/relationships" xmlns:p="http://schemas.openxmlformats.org/presentationml/2006/main">
+  <p:cSld>
+    <p:spTree>
+      <p:nvGrpSpPr>
+        <p:cNvPr id="1" name=""/>
+        <p:cNvGrpSpPr/>
+        <p:nvPr/>
+      </p:nvGrpSpPr>
+      <p:grpSpPr>
+        <a:xfrm>
+          <a:off x="0" y="0"/>
+          <a:ext cx="0" cy="0"/>
+          <a:chOff x="0" y="0"/>
+          <a:chExt cx="0" cy="0"/>
+        </a:xfrm>
+      </p:grpSpPr>
+      <p:sp>
+        <p:nvSpPr>
+          <p:cNvPr id="2" name="Titre 1">
+            <a:extLst>
+              <a:ext uri="{FF2B5EF4-FFF2-40B4-BE49-F238E27FC236}">
+                <a16:creationId xmlns:a16="http://schemas.microsoft.com/office/drawing/2014/main" id="{DE878817-F317-50C9-A887-FC7421977DED}"/>
+              </a:ext>
+            </a:extLst>
+          </p:cNvPr>
+          <p:cNvSpPr>
+            <a:spLocks noGrp="1"/>
+          </p:cNvSpPr>
+          <p:nvPr>
+            <p:ph type="title"/>
+          </p:nvPr>
+        </p:nvSpPr>
+        <p:spPr/>
+        <p:txBody>
+          <a:bodyPr/>
+          <a:lstStyle/>
+          <a:p>
+            <a:r>
+              <a:rPr lang="fr-FR" dirty="0"/>
+              <a:t>Ports Analogiques</a:t>
+            </a:r>
+          </a:p>
+        </p:txBody>
+      </p:sp>
+      <p:sp>
+        <p:nvSpPr>
+          <p:cNvPr id="3" name="Espace réservé du contenu 2">
+            <a:extLst>
+              <a:ext uri="{FF2B5EF4-FFF2-40B4-BE49-F238E27FC236}">
+                <a16:creationId xmlns:a16="http://schemas.microsoft.com/office/drawing/2014/main" id="{1C3A44BC-6BAB-F234-FC6A-2901CF08578A}"/>
+              </a:ext>
+            </a:extLst>
+          </p:cNvPr>
+          <p:cNvSpPr>
+            <a:spLocks noGrp="1"/>
+          </p:cNvSpPr>
+          <p:nvPr>
+            <p:ph idx="1"/>
+          </p:nvPr>
+        </p:nvSpPr>
+        <p:spPr/>
+        <p:txBody>
+          <a:bodyPr/>
+          <a:lstStyle/>
+          <a:p>
+            <a:r>
+              <a:rPr lang="fr-FR" dirty="0"/>
+              <a:t>l'Arduino UNO possède 5 ports analogiques en input seulement</a:t>
             </a:r>
           </a:p>
           <a:p>
             <a:pPr lvl="1"/>
             <a:r>
               <a:rPr lang="fr-FR" dirty="0"/>
-              <a:t>Par exemple le potentiomètre est sur 10 bits</a:t>
+              <a:t>A0 à A4</a:t>
+            </a:r>
+          </a:p>
+          <a:p>
+            <a:r>
+              <a:rPr lang="fr-FR" dirty="0"/>
+              <a:t>Permet d'avoir une valeur analogique sur 10 bits</a:t>
+            </a:r>
+          </a:p>
+          <a:p>
+            <a:pPr lvl="1"/>
+            <a:r>
+              <a:rPr lang="fr-FR" dirty="0"/>
+              <a:t>Entre 0 et 1024</a:t>
+            </a:r>
+          </a:p>
+          <a:p>
+            <a:pPr lvl="1"/>
+            <a:r>
+              <a:rPr lang="fr-FR" dirty="0"/>
+              <a:t>0 correspond à 0V</a:t>
+            </a:r>
+          </a:p>
+          <a:p>
+            <a:pPr lvl="1"/>
+            <a:r>
+              <a:rPr lang="fr-FR" dirty="0"/>
+              <a:t>1024 correspond à 5V</a:t>
+            </a:r>
+          </a:p>
+          <a:p>
+            <a:r>
+              <a:rPr lang="fr-FR" dirty="0"/>
+              <a:t>Par de port analogique en Output</a:t>
+            </a:r>
+          </a:p>
+          <a:p>
+            <a:pPr lvl="1"/>
+            <a:r>
+              <a:rPr lang="fr-FR" dirty="0"/>
+              <a:t>Remplacé par des PWM</a:t>
+            </a:r>
+          </a:p>
+        </p:txBody>
+      </p:sp>
+    </p:spTree>
+    <p:extLst>
+      <p:ext uri="{BB962C8B-B14F-4D97-AF65-F5344CB8AC3E}">
+        <p14:creationId xmlns:p14="http://schemas.microsoft.com/office/powerpoint/2010/main" val="4045125591"/>
+      </p:ext>
+    </p:extLst>
+  </p:cSld>
+  <p:clrMapOvr>
+    <a:masterClrMapping/>
+  </p:clrMapOvr>
+</p:sld>
+</file>
+
+<file path=ppt/slides/slide17.xml><?xml version="1.0" encoding="utf-8"?>
+<p:sld xmlns:a="http://schemas.openxmlformats.org/drawingml/2006/main" xmlns:r="http://schemas.openxmlformats.org/officeDocument/2006/relationships" xmlns:p="http://schemas.openxmlformats.org/presentationml/2006/main">
+  <p:cSld>
+    <p:spTree>
+      <p:nvGrpSpPr>
+        <p:cNvPr id="1" name=""/>
+        <p:cNvGrpSpPr/>
+        <p:nvPr/>
+      </p:nvGrpSpPr>
+      <p:grpSpPr>
+        <a:xfrm>
+          <a:off x="0" y="0"/>
+          <a:ext cx="0" cy="0"/>
+          <a:chOff x="0" y="0"/>
+          <a:chExt cx="0" cy="0"/>
+        </a:xfrm>
+      </p:grpSpPr>
+      <p:sp>
+        <p:nvSpPr>
+          <p:cNvPr id="2" name="Titre 1"/>
+          <p:cNvSpPr>
+            <a:spLocks noGrp="1"/>
+          </p:cNvSpPr>
+          <p:nvPr>
+            <p:ph type="title"/>
+          </p:nvPr>
+        </p:nvSpPr>
+        <p:spPr/>
+        <p:txBody>
+          <a:bodyPr/>
+          <a:lstStyle/>
+          <a:p>
+            <a:r>
+              <a:rPr lang="fr-FR" dirty="0"/>
+              <a:t>Lecture Analogique</a:t>
+            </a:r>
+          </a:p>
+        </p:txBody>
+      </p:sp>
+      <p:sp>
+        <p:nvSpPr>
+          <p:cNvPr id="3" name="Espace réservé du contenu 2"/>
+          <p:cNvSpPr>
+            <a:spLocks noGrp="1"/>
+          </p:cNvSpPr>
+          <p:nvPr>
+            <p:ph idx="1"/>
+          </p:nvPr>
+        </p:nvSpPr>
+        <p:spPr/>
+        <p:txBody>
+          <a:bodyPr/>
+          <a:lstStyle/>
+          <a:p>
+            <a:r>
+              <a:rPr lang="fr-FR" dirty="0"/>
+              <a:t>Les ports analogiques permettent de lire et écrire dans un range 10 bits</a:t>
+            </a:r>
+          </a:p>
+          <a:p>
+            <a:pPr lvl="1"/>
+            <a:r>
+              <a:rPr lang="fr-FR" dirty="0"/>
+              <a:t>Par exemple le potentiomètre</a:t>
             </a:r>
           </a:p>
           <a:p>
@@ -4521,24 +4765,21 @@
             </a:r>
           </a:p>
           <a:p>
+            <a:pPr lvl="1"/>
             <a:r>
               <a:rPr lang="fr-FR" dirty="0" err="1"/>
               <a:t>AnalogWrite</a:t>
             </a:r>
             <a:r>
               <a:rPr lang="fr-FR" dirty="0"/>
-              <a:t>(A1)</a:t>
+              <a:t>(A1) : non compatible UNO</a:t>
             </a:r>
           </a:p>
           <a:p>
             <a:pPr lvl="1"/>
             <a:r>
-              <a:rPr lang="fr-FR"/>
-              <a:t>Ecrit une </a:t>
-            </a:r>
-            <a:r>
-              <a:rPr lang="fr-FR" dirty="0"/>
-              <a:t>donnée analogique sur le pin analogique 1</a:t>
+              <a:rPr lang="fr-FR" dirty="0"/>
+              <a:t>Ecrit une donnée analogique sur le pin analogique 1</a:t>
             </a:r>
           </a:p>
           <a:p>
@@ -4570,7 +4811,7 @@
 </p:sld>
 </file>
 
-<file path=ppt/slides/slide16.xml><?xml version="1.0" encoding="utf-8"?>
+<file path=ppt/slides/slide18.xml><?xml version="1.0" encoding="utf-8"?>
 <p:sld xmlns:a="http://schemas.openxmlformats.org/drawingml/2006/main" xmlns:r="http://schemas.openxmlformats.org/officeDocument/2006/relationships" xmlns:p="http://schemas.openxmlformats.org/presentationml/2006/main">
   <p:cSld>
     <p:spTree>
@@ -4757,383 +4998,6 @@
 </p:sld>
 </file>
 
-<file path=ppt/slides/slide17.xml><?xml version="1.0" encoding="utf-8"?>
-<p:sld xmlns:a="http://schemas.openxmlformats.org/drawingml/2006/main" xmlns:r="http://schemas.openxmlformats.org/officeDocument/2006/relationships" xmlns:p="http://schemas.openxmlformats.org/presentationml/2006/main">
-  <p:cSld>
-    <p:spTree>
-      <p:nvGrpSpPr>
-        <p:cNvPr id="1" name=""/>
-        <p:cNvGrpSpPr/>
-        <p:nvPr/>
-      </p:nvGrpSpPr>
-      <p:grpSpPr>
-        <a:xfrm>
-          <a:off x="0" y="0"/>
-          <a:ext cx="0" cy="0"/>
-          <a:chOff x="0" y="0"/>
-          <a:chExt cx="0" cy="0"/>
-        </a:xfrm>
-      </p:grpSpPr>
-      <p:sp>
-        <p:nvSpPr>
-          <p:cNvPr id="2" name="Titre 1"/>
-          <p:cNvSpPr>
-            <a:spLocks noGrp="1"/>
-          </p:cNvSpPr>
-          <p:nvPr>
-            <p:ph type="title"/>
-          </p:nvPr>
-        </p:nvSpPr>
-        <p:spPr/>
-        <p:txBody>
-          <a:bodyPr/>
-          <a:lstStyle/>
-          <a:p>
-            <a:r>
-              <a:rPr lang="fr-FR" dirty="0"/>
-              <a:t>Fading sur </a:t>
-            </a:r>
-            <a:r>
-              <a:rPr lang="fr-FR" dirty="0" err="1"/>
-              <a:t>Led</a:t>
-            </a:r>
-            <a:endParaRPr lang="fr-FR" dirty="0"/>
-          </a:p>
-        </p:txBody>
-      </p:sp>
-      <p:sp>
-        <p:nvSpPr>
-          <p:cNvPr id="3" name="Espace réservé du contenu 2"/>
-          <p:cNvSpPr>
-            <a:spLocks noGrp="1"/>
-          </p:cNvSpPr>
-          <p:nvPr>
-            <p:ph idx="1"/>
-          </p:nvPr>
-        </p:nvSpPr>
-        <p:spPr/>
-        <p:txBody>
-          <a:bodyPr/>
-          <a:lstStyle/>
-          <a:p>
-            <a:r>
-              <a:rPr lang="fr-FR" dirty="0"/>
-              <a:t>Les LED peuvent être branchées sur une sortie analogique</a:t>
-            </a:r>
-          </a:p>
-          <a:p>
-            <a:pPr lvl="1"/>
-            <a:r>
-              <a:rPr lang="fr-FR" dirty="0"/>
-              <a:t>Un sortie à 2.5V permet d'avoir une luminosité à 50%</a:t>
-            </a:r>
-          </a:p>
-          <a:p>
-            <a:r>
-              <a:rPr lang="fr-FR" dirty="0"/>
-              <a:t>Exemple</a:t>
-            </a:r>
-          </a:p>
-          <a:p>
-            <a:pPr lvl="1"/>
-            <a:r>
-              <a:rPr lang="en-US" dirty="0" err="1"/>
-              <a:t>val</a:t>
-            </a:r>
-            <a:r>
-              <a:rPr lang="en-US" dirty="0"/>
-              <a:t> = </a:t>
-            </a:r>
-            <a:r>
-              <a:rPr lang="en-US" dirty="0" err="1"/>
-              <a:t>analogRead</a:t>
-            </a:r>
-            <a:r>
-              <a:rPr lang="en-US" dirty="0"/>
-              <a:t>(</a:t>
-            </a:r>
-            <a:r>
-              <a:rPr lang="en-US" dirty="0" err="1"/>
-              <a:t>analogPin</a:t>
-            </a:r>
-            <a:r>
-              <a:rPr lang="en-US" dirty="0"/>
-              <a:t>);</a:t>
-            </a:r>
-          </a:p>
-          <a:p>
-            <a:pPr lvl="1"/>
-            <a:r>
-              <a:rPr lang="en-US" dirty="0" err="1"/>
-              <a:t>analogWrite</a:t>
-            </a:r>
-            <a:r>
-              <a:rPr lang="en-US" dirty="0"/>
-              <a:t>(</a:t>
-            </a:r>
-            <a:r>
-              <a:rPr lang="en-US" dirty="0" err="1"/>
-              <a:t>ledPin</a:t>
-            </a:r>
-            <a:r>
-              <a:rPr lang="en-US" dirty="0"/>
-              <a:t>, </a:t>
-            </a:r>
-            <a:r>
-              <a:rPr lang="en-US" dirty="0" err="1"/>
-              <a:t>val</a:t>
-            </a:r>
-            <a:r>
-              <a:rPr lang="en-US" dirty="0"/>
-              <a:t> );</a:t>
-            </a:r>
-          </a:p>
-          <a:p>
-            <a:pPr lvl="1"/>
-            <a:r>
-              <a:rPr lang="en-US" dirty="0" err="1"/>
-              <a:t>Permet</a:t>
-            </a:r>
-            <a:r>
-              <a:rPr lang="en-US" dirty="0"/>
-              <a:t> </a:t>
-            </a:r>
-            <a:r>
-              <a:rPr lang="en-US" dirty="0" err="1"/>
-              <a:t>d'adapter</a:t>
-            </a:r>
-            <a:r>
-              <a:rPr lang="en-US" dirty="0"/>
-              <a:t> </a:t>
-            </a:r>
-            <a:r>
-              <a:rPr lang="en-US" dirty="0" err="1"/>
-              <a:t>l'intensité</a:t>
-            </a:r>
-            <a:r>
-              <a:rPr lang="en-US" dirty="0"/>
-              <a:t> de la LED à la </a:t>
-            </a:r>
-            <a:r>
-              <a:rPr lang="en-US" dirty="0" err="1"/>
-              <a:t>température</a:t>
-            </a:r>
-            <a:endParaRPr lang="fr-FR" dirty="0"/>
-          </a:p>
-        </p:txBody>
-      </p:sp>
-    </p:spTree>
-    <p:extLst>
-      <p:ext uri="{BB962C8B-B14F-4D97-AF65-F5344CB8AC3E}">
-        <p14:creationId xmlns:p14="http://schemas.microsoft.com/office/powerpoint/2010/main" val="1941932961"/>
-      </p:ext>
-    </p:extLst>
-  </p:cSld>
-  <p:clrMapOvr>
-    <a:masterClrMapping/>
-  </p:clrMapOvr>
-</p:sld>
-</file>
-
-<file path=ppt/slides/slide18.xml><?xml version="1.0" encoding="utf-8"?>
-<p:sld xmlns:a="http://schemas.openxmlformats.org/drawingml/2006/main" xmlns:r="http://schemas.openxmlformats.org/officeDocument/2006/relationships" xmlns:p="http://schemas.openxmlformats.org/presentationml/2006/main">
-  <p:cSld>
-    <p:spTree>
-      <p:nvGrpSpPr>
-        <p:cNvPr id="1" name=""/>
-        <p:cNvGrpSpPr/>
-        <p:nvPr/>
-      </p:nvGrpSpPr>
-      <p:grpSpPr>
-        <a:xfrm>
-          <a:off x="0" y="0"/>
-          <a:ext cx="0" cy="0"/>
-          <a:chOff x="0" y="0"/>
-          <a:chExt cx="0" cy="0"/>
-        </a:xfrm>
-      </p:grpSpPr>
-      <p:sp>
-        <p:nvSpPr>
-          <p:cNvPr id="2" name="Titre 1"/>
-          <p:cNvSpPr>
-            <a:spLocks noGrp="1"/>
-          </p:cNvSpPr>
-          <p:nvPr>
-            <p:ph type="title"/>
-          </p:nvPr>
-        </p:nvSpPr>
-        <p:spPr/>
-        <p:txBody>
-          <a:bodyPr/>
-          <a:lstStyle/>
-          <a:p>
-            <a:r>
-              <a:rPr lang="fr-FR" dirty="0"/>
-              <a:t>Boucle for</a:t>
-            </a:r>
-          </a:p>
-        </p:txBody>
-      </p:sp>
-      <p:sp>
-        <p:nvSpPr>
-          <p:cNvPr id="3" name="Espace réservé du contenu 2"/>
-          <p:cNvSpPr>
-            <a:spLocks noGrp="1"/>
-          </p:cNvSpPr>
-          <p:nvPr>
-            <p:ph idx="1"/>
-          </p:nvPr>
-        </p:nvSpPr>
-        <p:spPr/>
-        <p:txBody>
-          <a:bodyPr/>
-          <a:lstStyle/>
-          <a:p>
-            <a:r>
-              <a:rPr lang="fr-FR" dirty="0"/>
-              <a:t>La boucle for permet de boucler sur des valeurs</a:t>
-            </a:r>
-          </a:p>
-          <a:p>
-            <a:r>
-              <a:rPr lang="fr-FR" dirty="0"/>
-              <a:t>Exemple le fading </a:t>
-            </a:r>
-            <a:r>
-              <a:rPr lang="fr-FR" dirty="0" err="1"/>
-              <a:t>led</a:t>
-            </a:r>
-            <a:endParaRPr lang="fr-FR" dirty="0"/>
-          </a:p>
-          <a:p>
-            <a:pPr lvl="1"/>
-            <a:r>
-              <a:rPr lang="fr-FR" dirty="0" err="1"/>
-              <a:t>void</a:t>
-            </a:r>
-            <a:r>
-              <a:rPr lang="fr-FR" dirty="0"/>
-              <a:t> </a:t>
-            </a:r>
-            <a:r>
-              <a:rPr lang="fr-FR" dirty="0" err="1"/>
-              <a:t>loop</a:t>
-            </a:r>
-            <a:r>
-              <a:rPr lang="fr-FR" dirty="0"/>
-              <a:t>() {</a:t>
-            </a:r>
-            <a:br>
-              <a:rPr lang="fr-FR" dirty="0"/>
-            </a:br>
-            <a:r>
-              <a:rPr lang="fr-FR" dirty="0"/>
-              <a:t>	for(i = 0; i &lt; 255; i++) {</a:t>
-            </a:r>
-            <a:br>
-              <a:rPr lang="fr-FR" dirty="0"/>
-            </a:br>
-            <a:r>
-              <a:rPr lang="fr-FR" dirty="0"/>
-              <a:t>  		</a:t>
-            </a:r>
-            <a:r>
-              <a:rPr lang="fr-FR" dirty="0" err="1"/>
-              <a:t>analogWrite</a:t>
-            </a:r>
-            <a:r>
-              <a:rPr lang="fr-FR" dirty="0"/>
-              <a:t>(LED, i);</a:t>
-            </a:r>
-            <a:br>
-              <a:rPr lang="fr-FR" dirty="0"/>
-            </a:br>
-            <a:r>
-              <a:rPr lang="fr-FR" dirty="0"/>
-              <a:t>  		</a:t>
-            </a:r>
-            <a:r>
-              <a:rPr lang="fr-FR" dirty="0" err="1"/>
-              <a:t>delay</a:t>
-            </a:r>
-            <a:r>
-              <a:rPr lang="fr-FR" dirty="0"/>
-              <a:t>(10);</a:t>
-            </a:r>
-            <a:br>
-              <a:rPr lang="fr-FR" dirty="0"/>
-            </a:br>
-            <a:r>
-              <a:rPr lang="fr-FR" dirty="0"/>
-              <a:t>	}</a:t>
-            </a:r>
-            <a:br>
-              <a:rPr lang="fr-FR" dirty="0"/>
-            </a:br>
-            <a:r>
-              <a:rPr lang="fr-FR" dirty="0"/>
-              <a:t>	for(i = 255; i &gt; 0; i--) {</a:t>
-            </a:r>
-            <a:br>
-              <a:rPr lang="fr-FR" dirty="0"/>
-            </a:br>
-            <a:r>
-              <a:rPr lang="fr-FR" dirty="0"/>
-              <a:t>  		</a:t>
-            </a:r>
-            <a:r>
-              <a:rPr lang="fr-FR" dirty="0" err="1"/>
-              <a:t>analogWrite</a:t>
-            </a:r>
-            <a:r>
-              <a:rPr lang="fr-FR" dirty="0"/>
-              <a:t>(LED, i);</a:t>
-            </a:r>
-            <a:br>
-              <a:rPr lang="fr-FR" dirty="0"/>
-            </a:br>
-            <a:r>
-              <a:rPr lang="fr-FR" dirty="0"/>
-              <a:t>  		</a:t>
-            </a:r>
-            <a:r>
-              <a:rPr lang="fr-FR" dirty="0" err="1"/>
-              <a:t>delay</a:t>
-            </a:r>
-            <a:r>
-              <a:rPr lang="fr-FR" dirty="0"/>
-              <a:t>(10);</a:t>
-            </a:r>
-            <a:br>
-              <a:rPr lang="fr-FR" dirty="0"/>
-            </a:br>
-            <a:r>
-              <a:rPr lang="fr-FR" dirty="0"/>
-              <a:t>	}</a:t>
-            </a:r>
-            <a:br>
-              <a:rPr lang="fr-FR" dirty="0"/>
-            </a:br>
-            <a:r>
-              <a:rPr lang="fr-FR" dirty="0"/>
-              <a:t>}</a:t>
-            </a:r>
-          </a:p>
-        </p:txBody>
-      </p:sp>
-    </p:spTree>
-    <p:extLst>
-      <p:ext uri="{BB962C8B-B14F-4D97-AF65-F5344CB8AC3E}">
-        <p14:creationId xmlns:p14="http://schemas.microsoft.com/office/powerpoint/2010/main" val="3376649889"/>
-      </p:ext>
-    </p:extLst>
-  </p:cSld>
-  <p:clrMapOvr>
-    <a:masterClrMapping/>
-  </p:clrMapOvr>
-</p:sld>
-</file>
-
 <file path=ppt/slides/slide19.xml><?xml version="1.0" encoding="utf-8"?>
 <p:sld xmlns:a="http://schemas.openxmlformats.org/drawingml/2006/main" xmlns:r="http://schemas.openxmlformats.org/officeDocument/2006/relationships" xmlns:p="http://schemas.openxmlformats.org/presentationml/2006/main">
   <p:cSld>
@@ -5153,7 +5017,13 @@
       </p:grpSpPr>
       <p:sp>
         <p:nvSpPr>
-          <p:cNvPr id="2" name="Titre 1"/>
+          <p:cNvPr id="2" name="Titre 1">
+            <a:extLst>
+              <a:ext uri="{FF2B5EF4-FFF2-40B4-BE49-F238E27FC236}">
+                <a16:creationId xmlns:a16="http://schemas.microsoft.com/office/drawing/2014/main" id="{79A01C0B-168D-13BB-7EE5-53165807D1DF}"/>
+              </a:ext>
+            </a:extLst>
+          </p:cNvPr>
           <p:cNvSpPr>
             <a:spLocks noGrp="1"/>
           </p:cNvSpPr>
@@ -5168,14 +5038,20 @@
           <a:p>
             <a:r>
               <a:rPr lang="fr-FR" dirty="0"/>
-              <a:t>Bus I2C</a:t>
-            </a:r>
-          </a:p>
-        </p:txBody>
-      </p:sp>
-      <p:sp>
-        <p:nvSpPr>
-          <p:cNvPr id="3" name="Espace réservé du contenu 2"/>
+              <a:t>WPM</a:t>
+            </a:r>
+          </a:p>
+        </p:txBody>
+      </p:sp>
+      <p:sp>
+        <p:nvSpPr>
+          <p:cNvPr id="3" name="Espace réservé du contenu 2">
+            <a:extLst>
+              <a:ext uri="{FF2B5EF4-FFF2-40B4-BE49-F238E27FC236}">
+                <a16:creationId xmlns:a16="http://schemas.microsoft.com/office/drawing/2014/main" id="{5043A7BD-DF86-471E-A4E5-8EC2CC89572B}"/>
+              </a:ext>
+            </a:extLst>
+          </p:cNvPr>
           <p:cNvSpPr>
             <a:spLocks noGrp="1"/>
           </p:cNvSpPr>
@@ -5190,14 +5066,64 @@
           <a:p>
             <a:r>
               <a:rPr lang="fr-FR" dirty="0"/>
-              <a:t>I2C (Inter-Integrated Circuit) est un bus informatique qui a émergé de la « guerre des standards » lancée par les acteurs du monde électronique</a:t>
+              <a:t>Pulse </a:t>
+            </a:r>
+            <a:r>
+              <a:rPr lang="fr-FR" dirty="0" err="1"/>
+              <a:t>With</a:t>
+            </a:r>
+            <a:r>
+              <a:rPr lang="fr-FR" dirty="0"/>
+              <a:t> Modulation</a:t>
+            </a:r>
+          </a:p>
+          <a:p>
+            <a:r>
+              <a:rPr lang="fr-FR" dirty="0"/>
+              <a:t>Permet de reproduire un signal analogique avec du numérique</a:t>
+            </a:r>
+          </a:p>
+          <a:p>
+            <a:r>
+              <a:rPr lang="fr-FR" dirty="0"/>
+              <a:t>Les ports sont préfixés par ~</a:t>
+            </a:r>
+          </a:p>
+          <a:p>
+            <a:r>
+              <a:rPr lang="en-US" dirty="0"/>
+              <a:t>Sur Arduino UNO les pins PWM </a:t>
+            </a:r>
+            <a:r>
+              <a:rPr lang="en-US" dirty="0" err="1"/>
+              <a:t>sont</a:t>
+            </a:r>
+            <a:r>
+              <a:rPr lang="en-US" dirty="0"/>
+              <a:t> 3,5,6,9,10</a:t>
             </a:r>
           </a:p>
           <a:p>
             <a:pPr lvl="1"/>
             <a:r>
-              <a:rPr lang="fr-FR" dirty="0"/>
-              <a:t>Conçu par Philips pour les applications de domotique et d’électronique domestique, il permet de relier facilement un microprocesseur et différents circuits, notamment ceux d’un téléviseur moderne : récepteur de la télécommande, réglages des amplificateurs basses fréquences, tuner, horloge, …</a:t>
+              <a:rPr lang="en-US" dirty="0"/>
+              <a:t>5 et 6 </a:t>
+            </a:r>
+            <a:r>
+              <a:rPr lang="en-US" dirty="0" err="1"/>
+              <a:t>sont</a:t>
+            </a:r>
+            <a:r>
+              <a:rPr lang="en-US" dirty="0"/>
+              <a:t> à 980Hz, les </a:t>
+            </a:r>
+            <a:r>
+              <a:rPr lang="en-US" dirty="0" err="1"/>
+              <a:t>autres</a:t>
+            </a:r>
+            <a:r>
+              <a:rPr lang="en-US" dirty="0"/>
+              <a:t> à 490Hz </a:t>
             </a:r>
           </a:p>
           <a:p>
@@ -5205,10 +5131,57 @@
           </a:p>
         </p:txBody>
       </p:sp>
+      <p:pic>
+        <p:nvPicPr>
+          <p:cNvPr id="1026" name="Picture 2">
+            <a:extLst>
+              <a:ext uri="{FF2B5EF4-FFF2-40B4-BE49-F238E27FC236}">
+                <a16:creationId xmlns:a16="http://schemas.microsoft.com/office/drawing/2014/main" id="{6246BF34-DDE2-2D48-E48F-288610E3D0B7}"/>
+              </a:ext>
+            </a:extLst>
+          </p:cNvPr>
+          <p:cNvPicPr>
+            <a:picLocks noChangeAspect="1" noChangeArrowheads="1"/>
+          </p:cNvPicPr>
+          <p:nvPr/>
+        </p:nvPicPr>
+        <p:blipFill>
+          <a:blip r:embed="rId2">
+            <a:extLst>
+              <a:ext uri="{28A0092B-C50C-407E-A947-70E740481C1C}">
+                <a14:useLocalDpi xmlns:a14="http://schemas.microsoft.com/office/drawing/2010/main" val="0"/>
+              </a:ext>
+            </a:extLst>
+          </a:blip>
+          <a:srcRect/>
+          <a:stretch>
+            <a:fillRect/>
+          </a:stretch>
+        </p:blipFill>
+        <p:spPr bwMode="auto">
+          <a:xfrm>
+            <a:off x="2895662" y="4292699"/>
+            <a:ext cx="3333750" cy="2305050"/>
+          </a:xfrm>
+          <a:prstGeom prst="rect">
+            <a:avLst/>
+          </a:prstGeom>
+          <a:noFill/>
+          <a:extLst>
+            <a:ext uri="{909E8E84-426E-40DD-AFC4-6F175D3DCCD1}">
+              <a14:hiddenFill xmlns:a14="http://schemas.microsoft.com/office/drawing/2010/main">
+                <a:solidFill>
+                  <a:srgbClr val="FFFFFF"/>
+                </a:solidFill>
+              </a14:hiddenFill>
+            </a:ext>
+          </a:extLst>
+        </p:spPr>
+      </p:pic>
     </p:spTree>
     <p:extLst>
       <p:ext uri="{BB962C8B-B14F-4D97-AF65-F5344CB8AC3E}">
-        <p14:creationId xmlns:p14="http://schemas.microsoft.com/office/powerpoint/2010/main" val="1093932517"/>
+        <p14:creationId xmlns:p14="http://schemas.microsoft.com/office/powerpoint/2010/main" val="3299324502"/>
       </p:ext>
     </p:extLst>
   </p:cSld>
@@ -5370,6 +5343,467 @@
           <a:p>
             <a:r>
               <a:rPr lang="fr-FR" dirty="0"/>
+              <a:t>Fading sur </a:t>
+            </a:r>
+            <a:r>
+              <a:rPr lang="fr-FR" dirty="0" err="1"/>
+              <a:t>Led</a:t>
+            </a:r>
+            <a:endParaRPr lang="fr-FR" dirty="0"/>
+          </a:p>
+        </p:txBody>
+      </p:sp>
+      <p:sp>
+        <p:nvSpPr>
+          <p:cNvPr id="3" name="Espace réservé du contenu 2"/>
+          <p:cNvSpPr>
+            <a:spLocks noGrp="1"/>
+          </p:cNvSpPr>
+          <p:nvPr>
+            <p:ph idx="1"/>
+          </p:nvPr>
+        </p:nvSpPr>
+        <p:spPr/>
+        <p:txBody>
+          <a:bodyPr/>
+          <a:lstStyle/>
+          <a:p>
+            <a:r>
+              <a:rPr lang="fr-FR" dirty="0"/>
+              <a:t>Les LED peuvent être branchées sur une sortie PWM</a:t>
+            </a:r>
+          </a:p>
+          <a:p>
+            <a:pPr lvl="1"/>
+            <a:r>
+              <a:rPr lang="fr-FR" dirty="0"/>
+              <a:t>Une sortie à 2.5V permet d'avoir une luminosité à 50%</a:t>
+            </a:r>
+          </a:p>
+          <a:p>
+            <a:r>
+              <a:rPr lang="fr-FR" dirty="0"/>
+              <a:t>Exemple</a:t>
+            </a:r>
+          </a:p>
+          <a:p>
+            <a:pPr lvl="1"/>
+            <a:r>
+              <a:rPr lang="en-US" dirty="0" err="1"/>
+              <a:t>val</a:t>
+            </a:r>
+            <a:r>
+              <a:rPr lang="en-US" dirty="0"/>
+              <a:t> = </a:t>
+            </a:r>
+            <a:r>
+              <a:rPr lang="en-US" dirty="0" err="1"/>
+              <a:t>analogRead</a:t>
+            </a:r>
+            <a:r>
+              <a:rPr lang="en-US" dirty="0"/>
+              <a:t>(</a:t>
+            </a:r>
+            <a:r>
+              <a:rPr lang="en-US" dirty="0" err="1"/>
+              <a:t>analogPin</a:t>
+            </a:r>
+            <a:r>
+              <a:rPr lang="en-US" dirty="0"/>
+              <a:t>);</a:t>
+            </a:r>
+          </a:p>
+          <a:p>
+            <a:pPr lvl="1"/>
+            <a:r>
+              <a:rPr lang="en-US" dirty="0" err="1"/>
+              <a:t>analogWrite</a:t>
+            </a:r>
+            <a:r>
+              <a:rPr lang="en-US" dirty="0"/>
+              <a:t>(</a:t>
+            </a:r>
+            <a:r>
+              <a:rPr lang="en-US" dirty="0" err="1"/>
+              <a:t>ledPin</a:t>
+            </a:r>
+            <a:r>
+              <a:rPr lang="en-US" dirty="0"/>
+              <a:t>, </a:t>
+            </a:r>
+            <a:r>
+              <a:rPr lang="en-US" dirty="0" err="1"/>
+              <a:t>val</a:t>
+            </a:r>
+            <a:r>
+              <a:rPr lang="en-US" dirty="0"/>
+              <a:t> );</a:t>
+            </a:r>
+          </a:p>
+          <a:p>
+            <a:pPr lvl="1"/>
+            <a:r>
+              <a:rPr lang="en-US" dirty="0" err="1"/>
+              <a:t>Permet</a:t>
+            </a:r>
+            <a:r>
+              <a:rPr lang="en-US" dirty="0"/>
+              <a:t> </a:t>
+            </a:r>
+            <a:r>
+              <a:rPr lang="en-US" dirty="0" err="1"/>
+              <a:t>d'adapter</a:t>
+            </a:r>
+            <a:r>
+              <a:rPr lang="en-US" dirty="0"/>
+              <a:t> </a:t>
+            </a:r>
+            <a:r>
+              <a:rPr lang="en-US" dirty="0" err="1"/>
+              <a:t>l'intensité</a:t>
+            </a:r>
+            <a:r>
+              <a:rPr lang="en-US" dirty="0"/>
+              <a:t> de la LED à un </a:t>
+            </a:r>
+            <a:r>
+              <a:rPr lang="en-US" dirty="0" err="1"/>
+              <a:t>potentiomètre</a:t>
+            </a:r>
+            <a:endParaRPr lang="fr-FR" dirty="0"/>
+          </a:p>
+        </p:txBody>
+      </p:sp>
+    </p:spTree>
+    <p:extLst>
+      <p:ext uri="{BB962C8B-B14F-4D97-AF65-F5344CB8AC3E}">
+        <p14:creationId xmlns:p14="http://schemas.microsoft.com/office/powerpoint/2010/main" val="1941932961"/>
+      </p:ext>
+    </p:extLst>
+  </p:cSld>
+  <p:clrMapOvr>
+    <a:masterClrMapping/>
+  </p:clrMapOvr>
+</p:sld>
+</file>
+
+<file path=ppt/slides/slide21.xml><?xml version="1.0" encoding="utf-8"?>
+<p:sld xmlns:a="http://schemas.openxmlformats.org/drawingml/2006/main" xmlns:r="http://schemas.openxmlformats.org/officeDocument/2006/relationships" xmlns:p="http://schemas.openxmlformats.org/presentationml/2006/main">
+  <p:cSld>
+    <p:spTree>
+      <p:nvGrpSpPr>
+        <p:cNvPr id="1" name=""/>
+        <p:cNvGrpSpPr/>
+        <p:nvPr/>
+      </p:nvGrpSpPr>
+      <p:grpSpPr>
+        <a:xfrm>
+          <a:off x="0" y="0"/>
+          <a:ext cx="0" cy="0"/>
+          <a:chOff x="0" y="0"/>
+          <a:chExt cx="0" cy="0"/>
+        </a:xfrm>
+      </p:grpSpPr>
+      <p:sp>
+        <p:nvSpPr>
+          <p:cNvPr id="2" name="Titre 1"/>
+          <p:cNvSpPr>
+            <a:spLocks noGrp="1"/>
+          </p:cNvSpPr>
+          <p:nvPr>
+            <p:ph type="title"/>
+          </p:nvPr>
+        </p:nvSpPr>
+        <p:spPr/>
+        <p:txBody>
+          <a:bodyPr/>
+          <a:lstStyle/>
+          <a:p>
+            <a:r>
+              <a:rPr lang="fr-FR" dirty="0"/>
+              <a:t>Boucle for</a:t>
+            </a:r>
+          </a:p>
+        </p:txBody>
+      </p:sp>
+      <p:sp>
+        <p:nvSpPr>
+          <p:cNvPr id="3" name="Espace réservé du contenu 2"/>
+          <p:cNvSpPr>
+            <a:spLocks noGrp="1"/>
+          </p:cNvSpPr>
+          <p:nvPr>
+            <p:ph idx="1"/>
+          </p:nvPr>
+        </p:nvSpPr>
+        <p:spPr/>
+        <p:txBody>
+          <a:bodyPr/>
+          <a:lstStyle/>
+          <a:p>
+            <a:r>
+              <a:rPr lang="fr-FR" dirty="0"/>
+              <a:t>La boucle for permet de boucler sur des valeurs</a:t>
+            </a:r>
+          </a:p>
+          <a:p>
+            <a:r>
+              <a:rPr lang="fr-FR" dirty="0"/>
+              <a:t>Exemple le fading </a:t>
+            </a:r>
+            <a:r>
+              <a:rPr lang="fr-FR" dirty="0" err="1"/>
+              <a:t>led</a:t>
+            </a:r>
+            <a:endParaRPr lang="fr-FR" dirty="0"/>
+          </a:p>
+          <a:p>
+            <a:pPr lvl="1"/>
+            <a:r>
+              <a:rPr lang="fr-FR" dirty="0" err="1"/>
+              <a:t>void</a:t>
+            </a:r>
+            <a:r>
+              <a:rPr lang="fr-FR" dirty="0"/>
+              <a:t> </a:t>
+            </a:r>
+            <a:r>
+              <a:rPr lang="fr-FR" dirty="0" err="1"/>
+              <a:t>loop</a:t>
+            </a:r>
+            <a:r>
+              <a:rPr lang="fr-FR" dirty="0"/>
+              <a:t>() {</a:t>
+            </a:r>
+            <a:br>
+              <a:rPr lang="fr-FR" dirty="0"/>
+            </a:br>
+            <a:r>
+              <a:rPr lang="fr-FR" dirty="0"/>
+              <a:t>	for(i = 0; i &lt; 255; i++) {</a:t>
+            </a:r>
+            <a:br>
+              <a:rPr lang="fr-FR" dirty="0"/>
+            </a:br>
+            <a:r>
+              <a:rPr lang="fr-FR" dirty="0"/>
+              <a:t>  		</a:t>
+            </a:r>
+            <a:r>
+              <a:rPr lang="fr-FR" dirty="0" err="1"/>
+              <a:t>analogWrite</a:t>
+            </a:r>
+            <a:r>
+              <a:rPr lang="fr-FR" dirty="0"/>
+              <a:t>(LED, i);</a:t>
+            </a:r>
+            <a:br>
+              <a:rPr lang="fr-FR" dirty="0"/>
+            </a:br>
+            <a:r>
+              <a:rPr lang="fr-FR" dirty="0"/>
+              <a:t>  		</a:t>
+            </a:r>
+            <a:r>
+              <a:rPr lang="fr-FR" dirty="0" err="1"/>
+              <a:t>delay</a:t>
+            </a:r>
+            <a:r>
+              <a:rPr lang="fr-FR" dirty="0"/>
+              <a:t>(10);</a:t>
+            </a:r>
+            <a:br>
+              <a:rPr lang="fr-FR" dirty="0"/>
+            </a:br>
+            <a:r>
+              <a:rPr lang="fr-FR" dirty="0"/>
+              <a:t>	}</a:t>
+            </a:r>
+            <a:br>
+              <a:rPr lang="fr-FR" dirty="0"/>
+            </a:br>
+            <a:r>
+              <a:rPr lang="fr-FR" dirty="0"/>
+              <a:t>	for(i = 255; i &gt; 0; i--) {</a:t>
+            </a:r>
+            <a:br>
+              <a:rPr lang="fr-FR" dirty="0"/>
+            </a:br>
+            <a:r>
+              <a:rPr lang="fr-FR" dirty="0"/>
+              <a:t>  		</a:t>
+            </a:r>
+            <a:r>
+              <a:rPr lang="fr-FR" dirty="0" err="1"/>
+              <a:t>analogWrite</a:t>
+            </a:r>
+            <a:r>
+              <a:rPr lang="fr-FR" dirty="0"/>
+              <a:t>(LED, i);</a:t>
+            </a:r>
+            <a:br>
+              <a:rPr lang="fr-FR" dirty="0"/>
+            </a:br>
+            <a:r>
+              <a:rPr lang="fr-FR" dirty="0"/>
+              <a:t>  		</a:t>
+            </a:r>
+            <a:r>
+              <a:rPr lang="fr-FR" dirty="0" err="1"/>
+              <a:t>delay</a:t>
+            </a:r>
+            <a:r>
+              <a:rPr lang="fr-FR" dirty="0"/>
+              <a:t>(10);</a:t>
+            </a:r>
+            <a:br>
+              <a:rPr lang="fr-FR" dirty="0"/>
+            </a:br>
+            <a:r>
+              <a:rPr lang="fr-FR" dirty="0"/>
+              <a:t>	}</a:t>
+            </a:r>
+            <a:br>
+              <a:rPr lang="fr-FR" dirty="0"/>
+            </a:br>
+            <a:r>
+              <a:rPr lang="fr-FR" dirty="0"/>
+              <a:t>}</a:t>
+            </a:r>
+          </a:p>
+        </p:txBody>
+      </p:sp>
+    </p:spTree>
+    <p:extLst>
+      <p:ext uri="{BB962C8B-B14F-4D97-AF65-F5344CB8AC3E}">
+        <p14:creationId xmlns:p14="http://schemas.microsoft.com/office/powerpoint/2010/main" val="3376649889"/>
+      </p:ext>
+    </p:extLst>
+  </p:cSld>
+  <p:clrMapOvr>
+    <a:masterClrMapping/>
+  </p:clrMapOvr>
+</p:sld>
+</file>
+
+<file path=ppt/slides/slide22.xml><?xml version="1.0" encoding="utf-8"?>
+<p:sld xmlns:a="http://schemas.openxmlformats.org/drawingml/2006/main" xmlns:r="http://schemas.openxmlformats.org/officeDocument/2006/relationships" xmlns:p="http://schemas.openxmlformats.org/presentationml/2006/main">
+  <p:cSld>
+    <p:spTree>
+      <p:nvGrpSpPr>
+        <p:cNvPr id="1" name=""/>
+        <p:cNvGrpSpPr/>
+        <p:nvPr/>
+      </p:nvGrpSpPr>
+      <p:grpSpPr>
+        <a:xfrm>
+          <a:off x="0" y="0"/>
+          <a:ext cx="0" cy="0"/>
+          <a:chOff x="0" y="0"/>
+          <a:chExt cx="0" cy="0"/>
+        </a:xfrm>
+      </p:grpSpPr>
+      <p:sp>
+        <p:nvSpPr>
+          <p:cNvPr id="2" name="Titre 1"/>
+          <p:cNvSpPr>
+            <a:spLocks noGrp="1"/>
+          </p:cNvSpPr>
+          <p:nvPr>
+            <p:ph type="title"/>
+          </p:nvPr>
+        </p:nvSpPr>
+        <p:spPr/>
+        <p:txBody>
+          <a:bodyPr/>
+          <a:lstStyle/>
+          <a:p>
+            <a:r>
+              <a:rPr lang="fr-FR" dirty="0"/>
+              <a:t>Bus I2C</a:t>
+            </a:r>
+          </a:p>
+        </p:txBody>
+      </p:sp>
+      <p:sp>
+        <p:nvSpPr>
+          <p:cNvPr id="3" name="Espace réservé du contenu 2"/>
+          <p:cNvSpPr>
+            <a:spLocks noGrp="1"/>
+          </p:cNvSpPr>
+          <p:nvPr>
+            <p:ph idx="1"/>
+          </p:nvPr>
+        </p:nvSpPr>
+        <p:spPr/>
+        <p:txBody>
+          <a:bodyPr/>
+          <a:lstStyle/>
+          <a:p>
+            <a:r>
+              <a:rPr lang="fr-FR" dirty="0"/>
+              <a:t>I2C (Inter-Integrated Circuit) est un bus informatique qui a émergé de la « guerre des standards » lancée par les acteurs du monde électronique</a:t>
+            </a:r>
+          </a:p>
+          <a:p>
+            <a:pPr lvl="1"/>
+            <a:r>
+              <a:rPr lang="fr-FR" dirty="0"/>
+              <a:t>Conçu par Philips pour les applications de domotique et d’électronique domestique, il permet de relier facilement un microprocesseur et différents circuits, notamment ceux d’un téléviseur moderne : récepteur de la télécommande, réglages des amplificateurs basses fréquences, tuner, horloge, …</a:t>
+            </a:r>
+          </a:p>
+          <a:p>
+            <a:endParaRPr lang="fr-FR" dirty="0"/>
+          </a:p>
+        </p:txBody>
+      </p:sp>
+    </p:spTree>
+    <p:extLst>
+      <p:ext uri="{BB962C8B-B14F-4D97-AF65-F5344CB8AC3E}">
+        <p14:creationId xmlns:p14="http://schemas.microsoft.com/office/powerpoint/2010/main" val="1093932517"/>
+      </p:ext>
+    </p:extLst>
+  </p:cSld>
+  <p:clrMapOvr>
+    <a:masterClrMapping/>
+  </p:clrMapOvr>
+</p:sld>
+</file>
+
+<file path=ppt/slides/slide23.xml><?xml version="1.0" encoding="utf-8"?>
+<p:sld xmlns:a="http://schemas.openxmlformats.org/drawingml/2006/main" xmlns:r="http://schemas.openxmlformats.org/officeDocument/2006/relationships" xmlns:p="http://schemas.openxmlformats.org/presentationml/2006/main">
+  <p:cSld>
+    <p:spTree>
+      <p:nvGrpSpPr>
+        <p:cNvPr id="1" name=""/>
+        <p:cNvGrpSpPr/>
+        <p:nvPr/>
+      </p:nvGrpSpPr>
+      <p:grpSpPr>
+        <a:xfrm>
+          <a:off x="0" y="0"/>
+          <a:ext cx="0" cy="0"/>
+          <a:chOff x="0" y="0"/>
+          <a:chExt cx="0" cy="0"/>
+        </a:xfrm>
+      </p:grpSpPr>
+      <p:sp>
+        <p:nvSpPr>
+          <p:cNvPr id="2" name="Titre 1"/>
+          <p:cNvSpPr>
+            <a:spLocks noGrp="1"/>
+          </p:cNvSpPr>
+          <p:nvPr>
+            <p:ph type="title"/>
+          </p:nvPr>
+        </p:nvSpPr>
+        <p:spPr/>
+        <p:txBody>
+          <a:bodyPr/>
+          <a:lstStyle/>
+          <a:p>
+            <a:r>
+              <a:rPr lang="fr-FR" dirty="0"/>
               <a:t>Librairie</a:t>
             </a:r>
           </a:p>
@@ -5482,7 +5916,7 @@
 </p:sld>
 </file>
 
-<file path=ppt/slides/slide21.xml><?xml version="1.0" encoding="utf-8"?>
+<file path=ppt/slides/slide24.xml><?xml version="1.0" encoding="utf-8"?>
 <p:sld xmlns:a="http://schemas.openxmlformats.org/drawingml/2006/main" xmlns:r="http://schemas.openxmlformats.org/officeDocument/2006/relationships" xmlns:p="http://schemas.openxmlformats.org/presentationml/2006/main">
   <p:cSld>
     <p:spTree>
@@ -5622,7 +6056,7 @@
 </p:sld>
 </file>
 
-<file path=ppt/slides/slide22.xml><?xml version="1.0" encoding="utf-8"?>
+<file path=ppt/slides/slide25.xml><?xml version="1.0" encoding="utf-8"?>
 <p:sld xmlns:a="http://schemas.openxmlformats.org/drawingml/2006/main" xmlns:r="http://schemas.openxmlformats.org/officeDocument/2006/relationships" xmlns:p="http://schemas.openxmlformats.org/presentationml/2006/main">
   <p:cSld>
     <p:spTree>
